--- a/Final PP V1.pptx
+++ b/Final PP V1.pptx
@@ -119,6 +119,11 @@
       </a:defRPr>
     </a:lvl9pPr>
   </p:defaultTextStyle>
+  <p:extLst>
+    <p:ext uri="{EFAFB233-063F-42B5-8137-9DF3F51BA10A}">
+      <p15:sldGuideLst xmlns:p15="http://schemas.microsoft.com/office/powerpoint/2012/main"/>
+    </p:ext>
+  </p:extLst>
 </p:presentation>
 </file>
 
@@ -13407,8 +13412,8 @@
         </p:blipFill>
         <p:spPr bwMode="auto">
           <a:xfrm>
-            <a:off x="1302328" y="2214164"/>
-            <a:ext cx="4946072" cy="3890609"/>
+            <a:off x="957554" y="2253589"/>
+            <a:ext cx="5138446" cy="3969461"/>
           </a:xfrm>
           <a:prstGeom prst="rect">
             <a:avLst/>
@@ -15185,7 +15190,7 @@
         <p:spPr>
           <a:xfrm>
             <a:off x="680321" y="2336873"/>
-            <a:ext cx="3656289" cy="3599316"/>
+            <a:ext cx="3315479" cy="1315171"/>
           </a:xfrm>
         </p:spPr>
         <p:txBody>
@@ -15198,11 +15203,57 @@
               <a:buFont typeface="Arial" panose="020B0604020202020204" pitchFamily="34" charset="0"/>
               <a:buChar char="•"/>
             </a:pPr>
-            <a:endParaRPr lang="en-US" sz="1400" dirty="0">
-              <a:solidFill>
-                <a:srgbClr val="FFFFFF"/>
-              </a:solidFill>
-            </a:endParaRPr>
+            <a:r>
+              <a:rPr lang="en-US" sz="1400" dirty="0">
+                <a:solidFill>
+                  <a:srgbClr val="FFFFFF"/>
+                </a:solidFill>
+              </a:rPr>
+              <a:t>Males and Females same height</a:t>
+            </a:r>
+          </a:p>
+          <a:p>
+            <a:pPr marL="285750" indent="-285750">
+              <a:buFont typeface="Arial" panose="020B0604020202020204" pitchFamily="34" charset="0"/>
+              <a:buChar char="•"/>
+            </a:pPr>
+            <a:r>
+              <a:rPr lang="en-US" sz="1400" dirty="0">
+                <a:solidFill>
+                  <a:srgbClr val="FFFFFF"/>
+                </a:solidFill>
+              </a:rPr>
+              <a:t>Heart disease is unbiased</a:t>
+            </a:r>
+          </a:p>
+          <a:p>
+            <a:pPr marL="285750" indent="-285750">
+              <a:buFont typeface="Arial" panose="020B0604020202020204" pitchFamily="34" charset="0"/>
+              <a:buChar char="•"/>
+            </a:pPr>
+            <a:r>
+              <a:rPr lang="en-US" sz="1400" dirty="0">
+                <a:solidFill>
+                  <a:srgbClr val="FFFFFF"/>
+                </a:solidFill>
+              </a:rPr>
+              <a:t>Risk are different</a:t>
+            </a:r>
+          </a:p>
+          <a:p>
+            <a:pPr marL="0" lvl="1">
+              <a:spcBef>
+                <a:spcPts val="1000"/>
+              </a:spcBef>
+            </a:pPr>
+            <a:r>
+              <a:rPr lang="en-US" dirty="0">
+                <a:solidFill>
+                  <a:srgbClr val="FFFFFF"/>
+                </a:solidFill>
+              </a:rPr>
+              <a:t>	</a:t>
+            </a:r>
           </a:p>
         </p:txBody>
       </p:sp>
@@ -15316,6 +15367,650 @@
           <a:effectLst/>
         </p:spPr>
       </p:pic>
+      <p:sp>
+        <p:nvSpPr>
+          <p:cNvPr id="13" name="Rectangle 12">
+            <a:extLst>
+              <a:ext uri="{FF2B5EF4-FFF2-40B4-BE49-F238E27FC236}">
+                <a16:creationId xmlns:a16="http://schemas.microsoft.com/office/drawing/2014/main" id="{6AF558A9-F6FD-3C06-68D8-A00536674602}"/>
+              </a:ext>
+            </a:extLst>
+          </p:cNvPr>
+          <p:cNvSpPr/>
+          <p:nvPr/>
+        </p:nvSpPr>
+        <p:spPr>
+          <a:xfrm>
+            <a:off x="2529170" y="3389117"/>
+            <a:ext cx="1741747" cy="2437317"/>
+          </a:xfrm>
+          <a:prstGeom prst="rect">
+            <a:avLst/>
+          </a:prstGeom>
+        </p:spPr>
+        <p:style>
+          <a:lnRef idx="2">
+            <a:schemeClr val="dk1">
+              <a:shade val="15000"/>
+            </a:schemeClr>
+          </a:lnRef>
+          <a:fillRef idx="1">
+            <a:schemeClr val="dk1"/>
+          </a:fillRef>
+          <a:effectRef idx="0">
+            <a:schemeClr val="dk1"/>
+          </a:effectRef>
+          <a:fontRef idx="minor">
+            <a:schemeClr val="lt1"/>
+          </a:fontRef>
+        </p:style>
+        <p:txBody>
+          <a:bodyPr rtlCol="0" anchor="ctr"/>
+          <a:lstStyle/>
+          <a:p>
+            <a:pPr algn="ctr"/>
+            <a:endParaRPr lang="en-US"/>
+          </a:p>
+        </p:txBody>
+      </p:sp>
+      <p:sp>
+        <p:nvSpPr>
+          <p:cNvPr id="8" name="Text Placeholder 3">
+            <a:extLst>
+              <a:ext uri="{FF2B5EF4-FFF2-40B4-BE49-F238E27FC236}">
+                <a16:creationId xmlns:a16="http://schemas.microsoft.com/office/drawing/2014/main" id="{0AA55CE2-9D73-E6F4-B955-04FC9289A39C}"/>
+              </a:ext>
+            </a:extLst>
+          </p:cNvPr>
+          <p:cNvSpPr txBox="1">
+            <a:spLocks/>
+          </p:cNvSpPr>
+          <p:nvPr/>
+        </p:nvSpPr>
+        <p:spPr>
+          <a:xfrm>
+            <a:off x="2529171" y="3428999"/>
+            <a:ext cx="1834768" cy="2232709"/>
+          </a:xfrm>
+          <a:prstGeom prst="rect">
+            <a:avLst/>
+          </a:prstGeom>
+        </p:spPr>
+        <p:txBody>
+          <a:bodyPr vert="horz" lIns="91440" tIns="45720" rIns="91440" bIns="45720" rtlCol="0" anchor="ctr">
+            <a:normAutofit/>
+          </a:bodyPr>
+          <a:lstStyle>
+            <a:lvl1pPr marL="0" indent="0" algn="l" defTabSz="914400" rtl="0" eaLnBrk="1" latinLnBrk="0" hangingPunct="1">
+              <a:lnSpc>
+                <a:spcPct val="90000"/>
+              </a:lnSpc>
+              <a:spcBef>
+                <a:spcPts val="1000"/>
+              </a:spcBef>
+              <a:buFont typeface="Arial" panose="020B0604020202020204" pitchFamily="34" charset="0"/>
+              <a:buNone/>
+              <a:defRPr sz="1600" kern="1200">
+                <a:solidFill>
+                  <a:schemeClr val="tx1"/>
+                </a:solidFill>
+                <a:latin typeface="+mn-lt"/>
+                <a:ea typeface="+mn-ea"/>
+                <a:cs typeface="+mn-cs"/>
+              </a:defRPr>
+            </a:lvl1pPr>
+            <a:lvl2pPr marL="457200" indent="0" algn="l" defTabSz="914400" rtl="0" eaLnBrk="1" latinLnBrk="0" hangingPunct="1">
+              <a:lnSpc>
+                <a:spcPct val="90000"/>
+              </a:lnSpc>
+              <a:spcBef>
+                <a:spcPts val="500"/>
+              </a:spcBef>
+              <a:buFont typeface="Arial" panose="020B0604020202020204" pitchFamily="34" charset="0"/>
+              <a:buNone/>
+              <a:defRPr sz="1400" kern="1200">
+                <a:solidFill>
+                  <a:schemeClr val="tx1"/>
+                </a:solidFill>
+                <a:latin typeface="+mn-lt"/>
+                <a:ea typeface="+mn-ea"/>
+                <a:cs typeface="+mn-cs"/>
+              </a:defRPr>
+            </a:lvl2pPr>
+            <a:lvl3pPr marL="914400" indent="0" algn="l" defTabSz="914400" rtl="0" eaLnBrk="1" latinLnBrk="0" hangingPunct="1">
+              <a:lnSpc>
+                <a:spcPct val="90000"/>
+              </a:lnSpc>
+              <a:spcBef>
+                <a:spcPts val="500"/>
+              </a:spcBef>
+              <a:buFont typeface="Arial" panose="020B0604020202020204" pitchFamily="34" charset="0"/>
+              <a:buNone/>
+              <a:defRPr sz="1200" kern="1200">
+                <a:solidFill>
+                  <a:schemeClr val="tx1"/>
+                </a:solidFill>
+                <a:latin typeface="+mn-lt"/>
+                <a:ea typeface="+mn-ea"/>
+                <a:cs typeface="+mn-cs"/>
+              </a:defRPr>
+            </a:lvl3pPr>
+            <a:lvl4pPr marL="1371600" indent="0" algn="l" defTabSz="914400" rtl="0" eaLnBrk="1" latinLnBrk="0" hangingPunct="1">
+              <a:lnSpc>
+                <a:spcPct val="90000"/>
+              </a:lnSpc>
+              <a:spcBef>
+                <a:spcPts val="500"/>
+              </a:spcBef>
+              <a:buFont typeface="Arial" panose="020B0604020202020204" pitchFamily="34" charset="0"/>
+              <a:buNone/>
+              <a:defRPr sz="1000" kern="1200">
+                <a:solidFill>
+                  <a:schemeClr val="tx1"/>
+                </a:solidFill>
+                <a:latin typeface="+mn-lt"/>
+                <a:ea typeface="+mn-ea"/>
+                <a:cs typeface="+mn-cs"/>
+              </a:defRPr>
+            </a:lvl4pPr>
+            <a:lvl5pPr marL="1828800" indent="0" algn="l" defTabSz="914400" rtl="0" eaLnBrk="1" latinLnBrk="0" hangingPunct="1">
+              <a:lnSpc>
+                <a:spcPct val="90000"/>
+              </a:lnSpc>
+              <a:spcBef>
+                <a:spcPts val="500"/>
+              </a:spcBef>
+              <a:buFont typeface="Arial" panose="020B0604020202020204" pitchFamily="34" charset="0"/>
+              <a:buNone/>
+              <a:defRPr sz="1000" kern="1200">
+                <a:solidFill>
+                  <a:schemeClr val="tx1"/>
+                </a:solidFill>
+                <a:latin typeface="+mn-lt"/>
+                <a:ea typeface="+mn-ea"/>
+                <a:cs typeface="+mn-cs"/>
+              </a:defRPr>
+            </a:lvl5pPr>
+            <a:lvl6pPr marL="2286000" indent="0" algn="l" defTabSz="914400" rtl="0" eaLnBrk="1" latinLnBrk="0" hangingPunct="1">
+              <a:lnSpc>
+                <a:spcPct val="90000"/>
+              </a:lnSpc>
+              <a:spcBef>
+                <a:spcPts val="500"/>
+              </a:spcBef>
+              <a:buFont typeface="Arial" panose="020B0604020202020204" pitchFamily="34" charset="0"/>
+              <a:buNone/>
+              <a:defRPr sz="1000" kern="1200">
+                <a:solidFill>
+                  <a:schemeClr val="tx1"/>
+                </a:solidFill>
+                <a:latin typeface="+mn-lt"/>
+                <a:ea typeface="+mn-ea"/>
+                <a:cs typeface="+mn-cs"/>
+              </a:defRPr>
+            </a:lvl6pPr>
+            <a:lvl7pPr marL="2743200" indent="0" algn="l" defTabSz="914400" rtl="0" eaLnBrk="1" latinLnBrk="0" hangingPunct="1">
+              <a:lnSpc>
+                <a:spcPct val="90000"/>
+              </a:lnSpc>
+              <a:spcBef>
+                <a:spcPts val="500"/>
+              </a:spcBef>
+              <a:buFont typeface="Arial" panose="020B0604020202020204" pitchFamily="34" charset="0"/>
+              <a:buNone/>
+              <a:defRPr sz="1000" kern="1200">
+                <a:solidFill>
+                  <a:schemeClr val="tx1"/>
+                </a:solidFill>
+                <a:latin typeface="+mn-lt"/>
+                <a:ea typeface="+mn-ea"/>
+                <a:cs typeface="+mn-cs"/>
+              </a:defRPr>
+            </a:lvl7pPr>
+            <a:lvl8pPr marL="3200400" indent="0" algn="l" defTabSz="914400" rtl="0" eaLnBrk="1" latinLnBrk="0" hangingPunct="1">
+              <a:lnSpc>
+                <a:spcPct val="90000"/>
+              </a:lnSpc>
+              <a:spcBef>
+                <a:spcPts val="500"/>
+              </a:spcBef>
+              <a:buFont typeface="Arial" panose="020B0604020202020204" pitchFamily="34" charset="0"/>
+              <a:buNone/>
+              <a:defRPr sz="1000" kern="1200">
+                <a:solidFill>
+                  <a:schemeClr val="tx1"/>
+                </a:solidFill>
+                <a:latin typeface="+mn-lt"/>
+                <a:ea typeface="+mn-ea"/>
+                <a:cs typeface="+mn-cs"/>
+              </a:defRPr>
+            </a:lvl8pPr>
+            <a:lvl9pPr marL="3657600" indent="0" algn="l" defTabSz="914400" rtl="0" eaLnBrk="1" latinLnBrk="0" hangingPunct="1">
+              <a:lnSpc>
+                <a:spcPct val="90000"/>
+              </a:lnSpc>
+              <a:spcBef>
+                <a:spcPts val="500"/>
+              </a:spcBef>
+              <a:buFont typeface="Arial" panose="020B0604020202020204" pitchFamily="34" charset="0"/>
+              <a:buNone/>
+              <a:defRPr sz="1000" kern="1200">
+                <a:solidFill>
+                  <a:schemeClr val="tx1"/>
+                </a:solidFill>
+                <a:latin typeface="+mn-lt"/>
+                <a:ea typeface="+mn-ea"/>
+                <a:cs typeface="+mn-cs"/>
+              </a:defRPr>
+            </a:lvl9pPr>
+          </a:lstStyle>
+          <a:p>
+            <a:pPr marL="0" lvl="1">
+              <a:spcBef>
+                <a:spcPts val="1000"/>
+              </a:spcBef>
+            </a:pPr>
+            <a:r>
+              <a:rPr lang="en-US" dirty="0">
+                <a:solidFill>
+                  <a:srgbClr val="FFFFFF"/>
+                </a:solidFill>
+              </a:rPr>
+              <a:t>Women</a:t>
+            </a:r>
+          </a:p>
+          <a:p>
+            <a:pPr marL="285750" lvl="1" indent="-285750">
+              <a:spcBef>
+                <a:spcPts val="1000"/>
+              </a:spcBef>
+              <a:buFont typeface="Arial" panose="020B0604020202020204" pitchFamily="34" charset="0"/>
+              <a:buChar char="•"/>
+            </a:pPr>
+            <a:r>
+              <a:rPr lang="en-US" dirty="0">
+                <a:solidFill>
+                  <a:srgbClr val="FFFFFF"/>
+                </a:solidFill>
+              </a:rPr>
+              <a:t>Menopause</a:t>
+            </a:r>
+          </a:p>
+          <a:p>
+            <a:pPr marL="285750" lvl="1" indent="-285750">
+              <a:spcBef>
+                <a:spcPts val="1000"/>
+              </a:spcBef>
+              <a:buFont typeface="Arial" panose="020B0604020202020204" pitchFamily="34" charset="0"/>
+              <a:buChar char="•"/>
+            </a:pPr>
+            <a:r>
+              <a:rPr lang="en-US" dirty="0">
+                <a:solidFill>
+                  <a:srgbClr val="FFFFFF"/>
+                </a:solidFill>
+              </a:rPr>
+              <a:t>Less Estrogen</a:t>
+            </a:r>
+          </a:p>
+          <a:p>
+            <a:pPr marL="285750" lvl="1" indent="-285750">
+              <a:spcBef>
+                <a:spcPts val="1000"/>
+              </a:spcBef>
+              <a:buFont typeface="Arial" panose="020B0604020202020204" pitchFamily="34" charset="0"/>
+              <a:buChar char="•"/>
+            </a:pPr>
+            <a:r>
+              <a:rPr lang="en-US" dirty="0">
+                <a:solidFill>
+                  <a:srgbClr val="FFFFFF"/>
+                </a:solidFill>
+              </a:rPr>
+              <a:t>Autoimmune disease</a:t>
+            </a:r>
+          </a:p>
+          <a:p>
+            <a:pPr marL="285750" lvl="1" indent="-285750">
+              <a:spcBef>
+                <a:spcPts val="1000"/>
+              </a:spcBef>
+              <a:buFont typeface="Arial" panose="020B0604020202020204" pitchFamily="34" charset="0"/>
+              <a:buChar char="•"/>
+            </a:pPr>
+            <a:r>
+              <a:rPr lang="en-US" dirty="0">
+                <a:solidFill>
+                  <a:srgbClr val="FFFFFF"/>
+                </a:solidFill>
+              </a:rPr>
+              <a:t>High Depression &amp; Anxiety	</a:t>
+            </a:r>
+          </a:p>
+        </p:txBody>
+      </p:sp>
+      <p:sp>
+        <p:nvSpPr>
+          <p:cNvPr id="10" name="Rectangle 9">
+            <a:extLst>
+              <a:ext uri="{FF2B5EF4-FFF2-40B4-BE49-F238E27FC236}">
+                <a16:creationId xmlns:a16="http://schemas.microsoft.com/office/drawing/2014/main" id="{E3A3C5BD-CC56-1907-53F8-0EDE232EAD5F}"/>
+              </a:ext>
+            </a:extLst>
+          </p:cNvPr>
+          <p:cNvSpPr/>
+          <p:nvPr/>
+        </p:nvSpPr>
+        <p:spPr>
+          <a:xfrm>
+            <a:off x="643256" y="3389116"/>
+            <a:ext cx="1797705" cy="2440102"/>
+          </a:xfrm>
+          <a:prstGeom prst="rect">
+            <a:avLst/>
+          </a:prstGeom>
+        </p:spPr>
+        <p:style>
+          <a:lnRef idx="2">
+            <a:schemeClr val="dk1">
+              <a:shade val="15000"/>
+            </a:schemeClr>
+          </a:lnRef>
+          <a:fillRef idx="1">
+            <a:schemeClr val="dk1"/>
+          </a:fillRef>
+          <a:effectRef idx="0">
+            <a:schemeClr val="dk1"/>
+          </a:effectRef>
+          <a:fontRef idx="minor">
+            <a:schemeClr val="lt1"/>
+          </a:fontRef>
+        </p:style>
+        <p:txBody>
+          <a:bodyPr rtlCol="0" anchor="ctr"/>
+          <a:lstStyle/>
+          <a:p>
+            <a:pPr algn="ctr"/>
+            <a:endParaRPr lang="en-US"/>
+          </a:p>
+        </p:txBody>
+      </p:sp>
+      <p:sp>
+        <p:nvSpPr>
+          <p:cNvPr id="9" name="Text Placeholder 3">
+            <a:extLst>
+              <a:ext uri="{FF2B5EF4-FFF2-40B4-BE49-F238E27FC236}">
+                <a16:creationId xmlns:a16="http://schemas.microsoft.com/office/drawing/2014/main" id="{49A0E270-A293-4B3A-FCAF-046184131618}"/>
+              </a:ext>
+            </a:extLst>
+          </p:cNvPr>
+          <p:cNvSpPr txBox="1">
+            <a:spLocks/>
+          </p:cNvSpPr>
+          <p:nvPr/>
+        </p:nvSpPr>
+        <p:spPr>
+          <a:xfrm>
+            <a:off x="691550" y="3267740"/>
+            <a:ext cx="1760641" cy="2232709"/>
+          </a:xfrm>
+          <a:prstGeom prst="rect">
+            <a:avLst/>
+          </a:prstGeom>
+        </p:spPr>
+        <p:txBody>
+          <a:bodyPr vert="horz" lIns="91440" tIns="45720" rIns="91440" bIns="45720" rtlCol="0" anchor="ctr">
+            <a:normAutofit/>
+          </a:bodyPr>
+          <a:lstStyle>
+            <a:lvl1pPr marL="0" indent="0" algn="l" defTabSz="914400" rtl="0" eaLnBrk="1" latinLnBrk="0" hangingPunct="1">
+              <a:lnSpc>
+                <a:spcPct val="90000"/>
+              </a:lnSpc>
+              <a:spcBef>
+                <a:spcPts val="1000"/>
+              </a:spcBef>
+              <a:buFont typeface="Arial" panose="020B0604020202020204" pitchFamily="34" charset="0"/>
+              <a:buNone/>
+              <a:defRPr sz="1600" kern="1200">
+                <a:solidFill>
+                  <a:schemeClr val="tx1"/>
+                </a:solidFill>
+                <a:latin typeface="+mn-lt"/>
+                <a:ea typeface="+mn-ea"/>
+                <a:cs typeface="+mn-cs"/>
+              </a:defRPr>
+            </a:lvl1pPr>
+            <a:lvl2pPr marL="457200" indent="0" algn="l" defTabSz="914400" rtl="0" eaLnBrk="1" latinLnBrk="0" hangingPunct="1">
+              <a:lnSpc>
+                <a:spcPct val="90000"/>
+              </a:lnSpc>
+              <a:spcBef>
+                <a:spcPts val="500"/>
+              </a:spcBef>
+              <a:buFont typeface="Arial" panose="020B0604020202020204" pitchFamily="34" charset="0"/>
+              <a:buNone/>
+              <a:defRPr sz="1400" kern="1200">
+                <a:solidFill>
+                  <a:schemeClr val="tx1"/>
+                </a:solidFill>
+                <a:latin typeface="+mn-lt"/>
+                <a:ea typeface="+mn-ea"/>
+                <a:cs typeface="+mn-cs"/>
+              </a:defRPr>
+            </a:lvl2pPr>
+            <a:lvl3pPr marL="914400" indent="0" algn="l" defTabSz="914400" rtl="0" eaLnBrk="1" latinLnBrk="0" hangingPunct="1">
+              <a:lnSpc>
+                <a:spcPct val="90000"/>
+              </a:lnSpc>
+              <a:spcBef>
+                <a:spcPts val="500"/>
+              </a:spcBef>
+              <a:buFont typeface="Arial" panose="020B0604020202020204" pitchFamily="34" charset="0"/>
+              <a:buNone/>
+              <a:defRPr sz="1200" kern="1200">
+                <a:solidFill>
+                  <a:schemeClr val="tx1"/>
+                </a:solidFill>
+                <a:latin typeface="+mn-lt"/>
+                <a:ea typeface="+mn-ea"/>
+                <a:cs typeface="+mn-cs"/>
+              </a:defRPr>
+            </a:lvl3pPr>
+            <a:lvl4pPr marL="1371600" indent="0" algn="l" defTabSz="914400" rtl="0" eaLnBrk="1" latinLnBrk="0" hangingPunct="1">
+              <a:lnSpc>
+                <a:spcPct val="90000"/>
+              </a:lnSpc>
+              <a:spcBef>
+                <a:spcPts val="500"/>
+              </a:spcBef>
+              <a:buFont typeface="Arial" panose="020B0604020202020204" pitchFamily="34" charset="0"/>
+              <a:buNone/>
+              <a:defRPr sz="1000" kern="1200">
+                <a:solidFill>
+                  <a:schemeClr val="tx1"/>
+                </a:solidFill>
+                <a:latin typeface="+mn-lt"/>
+                <a:ea typeface="+mn-ea"/>
+                <a:cs typeface="+mn-cs"/>
+              </a:defRPr>
+            </a:lvl4pPr>
+            <a:lvl5pPr marL="1828800" indent="0" algn="l" defTabSz="914400" rtl="0" eaLnBrk="1" latinLnBrk="0" hangingPunct="1">
+              <a:lnSpc>
+                <a:spcPct val="90000"/>
+              </a:lnSpc>
+              <a:spcBef>
+                <a:spcPts val="500"/>
+              </a:spcBef>
+              <a:buFont typeface="Arial" panose="020B0604020202020204" pitchFamily="34" charset="0"/>
+              <a:buNone/>
+              <a:defRPr sz="1000" kern="1200">
+                <a:solidFill>
+                  <a:schemeClr val="tx1"/>
+                </a:solidFill>
+                <a:latin typeface="+mn-lt"/>
+                <a:ea typeface="+mn-ea"/>
+                <a:cs typeface="+mn-cs"/>
+              </a:defRPr>
+            </a:lvl5pPr>
+            <a:lvl6pPr marL="2286000" indent="0" algn="l" defTabSz="914400" rtl="0" eaLnBrk="1" latinLnBrk="0" hangingPunct="1">
+              <a:lnSpc>
+                <a:spcPct val="90000"/>
+              </a:lnSpc>
+              <a:spcBef>
+                <a:spcPts val="500"/>
+              </a:spcBef>
+              <a:buFont typeface="Arial" panose="020B0604020202020204" pitchFamily="34" charset="0"/>
+              <a:buNone/>
+              <a:defRPr sz="1000" kern="1200">
+                <a:solidFill>
+                  <a:schemeClr val="tx1"/>
+                </a:solidFill>
+                <a:latin typeface="+mn-lt"/>
+                <a:ea typeface="+mn-ea"/>
+                <a:cs typeface="+mn-cs"/>
+              </a:defRPr>
+            </a:lvl6pPr>
+            <a:lvl7pPr marL="2743200" indent="0" algn="l" defTabSz="914400" rtl="0" eaLnBrk="1" latinLnBrk="0" hangingPunct="1">
+              <a:lnSpc>
+                <a:spcPct val="90000"/>
+              </a:lnSpc>
+              <a:spcBef>
+                <a:spcPts val="500"/>
+              </a:spcBef>
+              <a:buFont typeface="Arial" panose="020B0604020202020204" pitchFamily="34" charset="0"/>
+              <a:buNone/>
+              <a:defRPr sz="1000" kern="1200">
+                <a:solidFill>
+                  <a:schemeClr val="tx1"/>
+                </a:solidFill>
+                <a:latin typeface="+mn-lt"/>
+                <a:ea typeface="+mn-ea"/>
+                <a:cs typeface="+mn-cs"/>
+              </a:defRPr>
+            </a:lvl7pPr>
+            <a:lvl8pPr marL="3200400" indent="0" algn="l" defTabSz="914400" rtl="0" eaLnBrk="1" latinLnBrk="0" hangingPunct="1">
+              <a:lnSpc>
+                <a:spcPct val="90000"/>
+              </a:lnSpc>
+              <a:spcBef>
+                <a:spcPts val="500"/>
+              </a:spcBef>
+              <a:buFont typeface="Arial" panose="020B0604020202020204" pitchFamily="34" charset="0"/>
+              <a:buNone/>
+              <a:defRPr sz="1000" kern="1200">
+                <a:solidFill>
+                  <a:schemeClr val="tx1"/>
+                </a:solidFill>
+                <a:latin typeface="+mn-lt"/>
+                <a:ea typeface="+mn-ea"/>
+                <a:cs typeface="+mn-cs"/>
+              </a:defRPr>
+            </a:lvl8pPr>
+            <a:lvl9pPr marL="3657600" indent="0" algn="l" defTabSz="914400" rtl="0" eaLnBrk="1" latinLnBrk="0" hangingPunct="1">
+              <a:lnSpc>
+                <a:spcPct val="90000"/>
+              </a:lnSpc>
+              <a:spcBef>
+                <a:spcPts val="500"/>
+              </a:spcBef>
+              <a:buFont typeface="Arial" panose="020B0604020202020204" pitchFamily="34" charset="0"/>
+              <a:buNone/>
+              <a:defRPr sz="1000" kern="1200">
+                <a:solidFill>
+                  <a:schemeClr val="tx1"/>
+                </a:solidFill>
+                <a:latin typeface="+mn-lt"/>
+                <a:ea typeface="+mn-ea"/>
+                <a:cs typeface="+mn-cs"/>
+              </a:defRPr>
+            </a:lvl9pPr>
+          </a:lstStyle>
+          <a:p>
+            <a:pPr marL="0" lvl="1">
+              <a:spcBef>
+                <a:spcPts val="1000"/>
+              </a:spcBef>
+            </a:pPr>
+            <a:r>
+              <a:rPr lang="en-US" dirty="0">
+                <a:solidFill>
+                  <a:srgbClr val="FFFFFF"/>
+                </a:solidFill>
+              </a:rPr>
+              <a:t>Men</a:t>
+            </a:r>
+          </a:p>
+          <a:p>
+            <a:pPr marL="285750" lvl="1" indent="-285750">
+              <a:spcBef>
+                <a:spcPts val="1000"/>
+              </a:spcBef>
+              <a:buFont typeface="Arial" panose="020B0604020202020204" pitchFamily="34" charset="0"/>
+              <a:buChar char="•"/>
+            </a:pPr>
+            <a:r>
+              <a:rPr lang="en-US" dirty="0">
+                <a:solidFill>
+                  <a:srgbClr val="FFFFFF"/>
+                </a:solidFill>
+              </a:rPr>
+              <a:t>Lower estrogen</a:t>
+            </a:r>
+          </a:p>
+          <a:p>
+            <a:pPr marL="285750" lvl="1" indent="-285750">
+              <a:spcBef>
+                <a:spcPts val="1000"/>
+              </a:spcBef>
+              <a:buFont typeface="Arial" panose="020B0604020202020204" pitchFamily="34" charset="0"/>
+              <a:buChar char="•"/>
+            </a:pPr>
+            <a:r>
+              <a:rPr lang="en-US" dirty="0">
+                <a:solidFill>
+                  <a:srgbClr val="FFFFFF"/>
+                </a:solidFill>
+              </a:rPr>
+              <a:t>More alcohol</a:t>
+            </a:r>
+          </a:p>
+          <a:p>
+            <a:pPr marL="285750" lvl="1" indent="-285750">
+              <a:spcBef>
+                <a:spcPts val="1000"/>
+              </a:spcBef>
+              <a:buFont typeface="Arial" panose="020B0604020202020204" pitchFamily="34" charset="0"/>
+              <a:buChar char="•"/>
+            </a:pPr>
+            <a:r>
+              <a:rPr lang="en-US" dirty="0">
+                <a:solidFill>
+                  <a:srgbClr val="FFFFFF"/>
+                </a:solidFill>
+              </a:rPr>
+              <a:t>More stress</a:t>
+            </a:r>
+          </a:p>
+          <a:p>
+            <a:pPr marL="285750" lvl="1" indent="-285750">
+              <a:spcBef>
+                <a:spcPts val="1000"/>
+              </a:spcBef>
+              <a:buFont typeface="Arial" panose="020B0604020202020204" pitchFamily="34" charset="0"/>
+              <a:buChar char="•"/>
+            </a:pPr>
+            <a:r>
+              <a:rPr lang="en-US" dirty="0">
+                <a:solidFill>
+                  <a:srgbClr val="FFFFFF"/>
+                </a:solidFill>
+              </a:rPr>
+              <a:t>Less doctors visits	</a:t>
+            </a:r>
+          </a:p>
+        </p:txBody>
+      </p:sp>
     </p:spTree>
     <p:extLst>
       <p:ext uri="{BB962C8B-B14F-4D97-AF65-F5344CB8AC3E}">

--- a/Final PP V1.pptx
+++ b/Final PP V1.pptx
@@ -11106,14 +11106,19 @@
             <p:ph type="ctrTitle"/>
           </p:nvPr>
         </p:nvSpPr>
-        <p:spPr/>
+        <p:spPr>
+          <a:xfrm>
+            <a:off x="680322" y="2896994"/>
+            <a:ext cx="8144134" cy="1373070"/>
+          </a:xfrm>
+        </p:spPr>
         <p:txBody>
           <a:bodyPr/>
           <a:lstStyle/>
           <a:p>
             <a:r>
-              <a:rPr lang="en-US" dirty="0"/>
-              <a:t>Factors Influencing Heart Disease in Adults 35+</a:t>
+              <a:rPr lang="en-US" sz="6000" dirty="0"/>
+              <a:t>Factors Influencing Heart Disease Deaths</a:t>
             </a:r>
           </a:p>
         </p:txBody>
@@ -13142,7 +13147,7 @@
         </p:spPr>
         <p:txBody>
           <a:bodyPr>
-            <a:normAutofit lnSpcReduction="10000"/>
+            <a:normAutofit fontScale="92500" lnSpcReduction="10000"/>
           </a:bodyPr>
           <a:lstStyle/>
           <a:p>
@@ -13174,6 +13179,14 @@
               <a:rPr lang="en-US" sz="2400" dirty="0"/>
               <a:t>Investigate next steps </a:t>
             </a:r>
+          </a:p>
+          <a:p>
+            <a:pPr marL="342900" lvl="1" indent="-342900">
+              <a:spcBef>
+                <a:spcPts val="1000"/>
+              </a:spcBef>
+            </a:pPr>
+            <a:endParaRPr lang="en-US" sz="2400" dirty="0"/>
           </a:p>
           <a:p>
             <a:pPr marL="342900" lvl="1" indent="-342900">
@@ -13263,6 +13276,98 @@
       </p:grpSpPr>
       <p:sp>
         <p:nvSpPr>
+          <p:cNvPr id="4" name="Rectangle 3">
+            <a:extLst>
+              <a:ext uri="{FF2B5EF4-FFF2-40B4-BE49-F238E27FC236}">
+                <a16:creationId xmlns:a16="http://schemas.microsoft.com/office/drawing/2014/main" id="{32FD5BA4-EC50-AA88-7271-D5477AD9F878}"/>
+              </a:ext>
+            </a:extLst>
+          </p:cNvPr>
+          <p:cNvSpPr/>
+          <p:nvPr/>
+        </p:nvSpPr>
+        <p:spPr>
+          <a:xfrm>
+            <a:off x="680321" y="2057400"/>
+            <a:ext cx="5589850" cy="4386943"/>
+          </a:xfrm>
+          <a:prstGeom prst="rect">
+            <a:avLst/>
+          </a:prstGeom>
+        </p:spPr>
+        <p:style>
+          <a:lnRef idx="2">
+            <a:schemeClr val="dk1">
+              <a:shade val="15000"/>
+            </a:schemeClr>
+          </a:lnRef>
+          <a:fillRef idx="1">
+            <a:schemeClr val="dk1"/>
+          </a:fillRef>
+          <a:effectRef idx="0">
+            <a:schemeClr val="dk1"/>
+          </a:effectRef>
+          <a:fontRef idx="minor">
+            <a:schemeClr val="lt1"/>
+          </a:fontRef>
+        </p:style>
+        <p:txBody>
+          <a:bodyPr rtlCol="0" anchor="ctr"/>
+          <a:lstStyle/>
+          <a:p>
+            <a:pPr algn="ctr"/>
+            <a:endParaRPr lang="en-US"/>
+          </a:p>
+        </p:txBody>
+      </p:sp>
+      <p:sp>
+        <p:nvSpPr>
+          <p:cNvPr id="5" name="Rectangle 4">
+            <a:extLst>
+              <a:ext uri="{FF2B5EF4-FFF2-40B4-BE49-F238E27FC236}">
+                <a16:creationId xmlns:a16="http://schemas.microsoft.com/office/drawing/2014/main" id="{E5021D5E-3360-CC9A-0BBE-35A85425624D}"/>
+              </a:ext>
+            </a:extLst>
+          </p:cNvPr>
+          <p:cNvSpPr/>
+          <p:nvPr/>
+        </p:nvSpPr>
+        <p:spPr>
+          <a:xfrm>
+            <a:off x="680321" y="2090058"/>
+            <a:ext cx="5589850" cy="4577518"/>
+          </a:xfrm>
+          <a:prstGeom prst="rect">
+            <a:avLst/>
+          </a:prstGeom>
+        </p:spPr>
+        <p:style>
+          <a:lnRef idx="2">
+            <a:schemeClr val="dk1">
+              <a:shade val="15000"/>
+            </a:schemeClr>
+          </a:lnRef>
+          <a:fillRef idx="1">
+            <a:schemeClr val="dk1"/>
+          </a:fillRef>
+          <a:effectRef idx="0">
+            <a:schemeClr val="dk1"/>
+          </a:effectRef>
+          <a:fontRef idx="minor">
+            <a:schemeClr val="lt1"/>
+          </a:fontRef>
+        </p:style>
+        <p:txBody>
+          <a:bodyPr rtlCol="0" anchor="ctr"/>
+          <a:lstStyle/>
+          <a:p>
+            <a:pPr algn="ctr"/>
+            <a:endParaRPr lang="en-US"/>
+          </a:p>
+        </p:txBody>
+      </p:sp>
+      <p:sp>
+        <p:nvSpPr>
           <p:cNvPr id="2" name="Title 1">
             <a:extLst>
               <a:ext uri="{FF2B5EF4-FFF2-40B4-BE49-F238E27FC236}">
@@ -13313,7 +13418,7 @@
         </p:spPr>
         <p:txBody>
           <a:bodyPr>
-            <a:normAutofit fontScale="85000" lnSpcReduction="10000"/>
+            <a:normAutofit/>
           </a:bodyPr>
           <a:lstStyle/>
           <a:p>
@@ -13323,25 +13428,16 @@
             </a:r>
           </a:p>
           <a:p>
-            <a:endParaRPr lang="en-US" dirty="0"/>
-          </a:p>
-          <a:p>
             <a:r>
               <a:rPr lang="en-US" dirty="0"/>
               <a:t>Surpassing Cancer and Covid-19</a:t>
             </a:r>
           </a:p>
           <a:p>
-            <a:endParaRPr lang="en-US" dirty="0"/>
-          </a:p>
-          <a:p>
             <a:r>
               <a:rPr lang="en-US" dirty="0"/>
               <a:t>2021 – 20% of all deaths in the U.S.</a:t>
             </a:r>
-          </a:p>
-          <a:p>
-            <a:endParaRPr lang="en-US" dirty="0"/>
           </a:p>
           <a:p>
             <a:r>
@@ -13412,8 +13508,8 @@
         </p:blipFill>
         <p:spPr bwMode="auto">
           <a:xfrm>
-            <a:off x="957554" y="2253589"/>
-            <a:ext cx="5138446" cy="3969461"/>
+            <a:off x="971337" y="2214163"/>
+            <a:ext cx="5007817" cy="3969461"/>
           </a:xfrm>
           <a:prstGeom prst="rect">
             <a:avLst/>
@@ -13462,6 +13558,52 @@
       </p:grpSpPr>
       <p:sp>
         <p:nvSpPr>
+          <p:cNvPr id="4" name="Rectangle 3">
+            <a:extLst>
+              <a:ext uri="{FF2B5EF4-FFF2-40B4-BE49-F238E27FC236}">
+                <a16:creationId xmlns:a16="http://schemas.microsoft.com/office/drawing/2014/main" id="{72110DFC-3CFB-9FCA-702A-EA78AF228A39}"/>
+              </a:ext>
+            </a:extLst>
+          </p:cNvPr>
+          <p:cNvSpPr/>
+          <p:nvPr/>
+        </p:nvSpPr>
+        <p:spPr>
+          <a:xfrm>
+            <a:off x="272143" y="1589314"/>
+            <a:ext cx="4926322" cy="5127172"/>
+          </a:xfrm>
+          <a:prstGeom prst="rect">
+            <a:avLst/>
+          </a:prstGeom>
+        </p:spPr>
+        <p:style>
+          <a:lnRef idx="2">
+            <a:schemeClr val="dk1">
+              <a:shade val="15000"/>
+            </a:schemeClr>
+          </a:lnRef>
+          <a:fillRef idx="1">
+            <a:schemeClr val="dk1"/>
+          </a:fillRef>
+          <a:effectRef idx="0">
+            <a:schemeClr val="dk1"/>
+          </a:effectRef>
+          <a:fontRef idx="minor">
+            <a:schemeClr val="lt1"/>
+          </a:fontRef>
+        </p:style>
+        <p:txBody>
+          <a:bodyPr rtlCol="0" anchor="ctr"/>
+          <a:lstStyle/>
+          <a:p>
+            <a:pPr algn="ctr"/>
+            <a:endParaRPr lang="en-US"/>
+          </a:p>
+        </p:txBody>
+      </p:sp>
+      <p:sp>
+        <p:nvSpPr>
           <p:cNvPr id="2" name="Title 1">
             <a:extLst>
               <a:ext uri="{FF2B5EF4-FFF2-40B4-BE49-F238E27FC236}">
@@ -13506,12 +13648,14 @@
         </p:nvSpPr>
         <p:spPr>
           <a:xfrm>
-            <a:off x="5198465" y="2226036"/>
-            <a:ext cx="5608336" cy="3599313"/>
-          </a:xfrm>
-        </p:spPr>
-        <p:txBody>
-          <a:bodyPr/>
+            <a:off x="5880479" y="2226036"/>
+            <a:ext cx="4413701" cy="3599313"/>
+          </a:xfrm>
+        </p:spPr>
+        <p:txBody>
+          <a:bodyPr>
+            <a:normAutofit/>
+          </a:bodyPr>
           <a:lstStyle/>
           <a:p>
             <a:r>
@@ -13520,16 +13664,10 @@
             </a:r>
           </a:p>
           <a:p>
-            <a:endParaRPr lang="en-US" dirty="0"/>
-          </a:p>
-          <a:p>
             <a:r>
               <a:rPr lang="en-US" dirty="0"/>
               <a:t>Mortality rates per 100,000 people per county.</a:t>
             </a:r>
-          </a:p>
-          <a:p>
-            <a:endParaRPr lang="en-US" dirty="0"/>
           </a:p>
           <a:p>
             <a:r>
@@ -13630,6 +13768,52 @@
           <a:chExt cx="0" cy="0"/>
         </a:xfrm>
       </p:grpSpPr>
+      <p:sp>
+        <p:nvSpPr>
+          <p:cNvPr id="4" name="Rectangle 3">
+            <a:extLst>
+              <a:ext uri="{FF2B5EF4-FFF2-40B4-BE49-F238E27FC236}">
+                <a16:creationId xmlns:a16="http://schemas.microsoft.com/office/drawing/2014/main" id="{43CB6D9E-9ECA-324D-4B3F-0BD45229A0C1}"/>
+              </a:ext>
+            </a:extLst>
+          </p:cNvPr>
+          <p:cNvSpPr/>
+          <p:nvPr/>
+        </p:nvSpPr>
+        <p:spPr>
+          <a:xfrm>
+            <a:off x="370114" y="838200"/>
+            <a:ext cx="10918372" cy="3189514"/>
+          </a:xfrm>
+          <a:prstGeom prst="rect">
+            <a:avLst/>
+          </a:prstGeom>
+        </p:spPr>
+        <p:style>
+          <a:lnRef idx="2">
+            <a:schemeClr val="dk1">
+              <a:shade val="15000"/>
+            </a:schemeClr>
+          </a:lnRef>
+          <a:fillRef idx="1">
+            <a:schemeClr val="dk1"/>
+          </a:fillRef>
+          <a:effectRef idx="0">
+            <a:schemeClr val="dk1"/>
+          </a:effectRef>
+          <a:fontRef idx="minor">
+            <a:schemeClr val="lt1"/>
+          </a:fontRef>
+        </p:style>
+        <p:txBody>
+          <a:bodyPr rtlCol="0" anchor="ctr"/>
+          <a:lstStyle/>
+          <a:p>
+            <a:pPr algn="ctr"/>
+            <a:endParaRPr lang="en-US"/>
+          </a:p>
+        </p:txBody>
+      </p:sp>
       <p:sp>
         <p:nvSpPr>
           <p:cNvPr id="2" name="Title 1">
@@ -16379,6 +16563,52 @@
           </a:p>
         </p:txBody>
       </p:sp>
+      <p:sp>
+        <p:nvSpPr>
+          <p:cNvPr id="12" name="Rectangle 11">
+            <a:extLst>
+              <a:ext uri="{FF2B5EF4-FFF2-40B4-BE49-F238E27FC236}">
+                <a16:creationId xmlns:a16="http://schemas.microsoft.com/office/drawing/2014/main" id="{C471219D-83EB-C11B-28B4-533CE3FF0762}"/>
+              </a:ext>
+            </a:extLst>
+          </p:cNvPr>
+          <p:cNvSpPr/>
+          <p:nvPr/>
+        </p:nvSpPr>
+        <p:spPr>
+          <a:xfrm>
+            <a:off x="6004322" y="2194561"/>
+            <a:ext cx="3602258" cy="3590736"/>
+          </a:xfrm>
+          <a:prstGeom prst="rect">
+            <a:avLst/>
+          </a:prstGeom>
+        </p:spPr>
+        <p:style>
+          <a:lnRef idx="2">
+            <a:schemeClr val="accent1">
+              <a:shade val="15000"/>
+            </a:schemeClr>
+          </a:lnRef>
+          <a:fillRef idx="1">
+            <a:schemeClr val="accent1"/>
+          </a:fillRef>
+          <a:effectRef idx="0">
+            <a:schemeClr val="accent1"/>
+          </a:effectRef>
+          <a:fontRef idx="minor">
+            <a:schemeClr val="lt1"/>
+          </a:fontRef>
+        </p:style>
+        <p:txBody>
+          <a:bodyPr rtlCol="0" anchor="ctr"/>
+          <a:lstStyle/>
+          <a:p>
+            <a:pPr algn="ctr"/>
+            <a:endParaRPr lang="en-US"/>
+          </a:p>
+        </p:txBody>
+      </p:sp>
       <p:pic>
         <p:nvPicPr>
           <p:cNvPr id="2" name="Picture 1" descr="A graph of a normal distribution">
@@ -16599,52 +16829,6 @@
               <a:rPr lang="en-US" sz="2400" b="1" dirty="0"/>
               <a:t>Histogram on Heart Disease Mortality Rate</a:t>
             </a:r>
-          </a:p>
-        </p:txBody>
-      </p:sp>
-      <p:sp>
-        <p:nvSpPr>
-          <p:cNvPr id="12" name="Rectangle 11">
-            <a:extLst>
-              <a:ext uri="{FF2B5EF4-FFF2-40B4-BE49-F238E27FC236}">
-                <a16:creationId xmlns:a16="http://schemas.microsoft.com/office/drawing/2014/main" id="{C471219D-83EB-C11B-28B4-533CE3FF0762}"/>
-              </a:ext>
-            </a:extLst>
-          </p:cNvPr>
-          <p:cNvSpPr/>
-          <p:nvPr/>
-        </p:nvSpPr>
-        <p:spPr>
-          <a:xfrm>
-            <a:off x="6004322" y="2194561"/>
-            <a:ext cx="3602258" cy="3590736"/>
-          </a:xfrm>
-          <a:prstGeom prst="rect">
-            <a:avLst/>
-          </a:prstGeom>
-        </p:spPr>
-        <p:style>
-          <a:lnRef idx="2">
-            <a:schemeClr val="accent1">
-              <a:shade val="15000"/>
-            </a:schemeClr>
-          </a:lnRef>
-          <a:fillRef idx="1">
-            <a:schemeClr val="accent1"/>
-          </a:fillRef>
-          <a:effectRef idx="0">
-            <a:schemeClr val="accent1"/>
-          </a:effectRef>
-          <a:fontRef idx="minor">
-            <a:schemeClr val="lt1"/>
-          </a:fontRef>
-        </p:style>
-        <p:txBody>
-          <a:bodyPr rtlCol="0" anchor="ctr"/>
-          <a:lstStyle/>
-          <a:p>
-            <a:pPr algn="ctr"/>
-            <a:endParaRPr lang="en-US"/>
           </a:p>
         </p:txBody>
       </p:sp>
@@ -17678,7 +17862,7 @@
                         </a:spcAft>
                       </a:pPr>
                       <a:r>
-                        <a:rPr lang="en-US" sz="2800" b="1" kern="100" cap="none" spc="0">
+                        <a:rPr lang="en-US" sz="2800" b="1" kern="100" cap="none" spc="0" dirty="0">
                           <a:solidFill>
                             <a:schemeClr val="tx1"/>
                           </a:solidFill>
@@ -17686,7 +17870,7 @@
                         </a:rPr>
                         <a:t>Category</a:t>
                       </a:r>
-                      <a:endParaRPr lang="en-US" sz="2800" b="1" kern="100" cap="none" spc="0">
+                      <a:endParaRPr lang="en-US" sz="2800" b="1" kern="100" cap="none" spc="0" dirty="0">
                         <a:solidFill>
                           <a:schemeClr val="tx1"/>
                         </a:solidFill>
@@ -18231,7 +18415,7 @@
                         </a:spcAft>
                       </a:pPr>
                       <a:r>
-                        <a:rPr lang="en-US" sz="2000" b="1" kern="100" cap="none" spc="0">
+                        <a:rPr lang="en-US" sz="2000" b="1" kern="100" cap="none" spc="0" dirty="0">
                           <a:solidFill>
                             <a:schemeClr val="tx1"/>
                           </a:solidFill>
@@ -18239,7 +18423,7 @@
                         </a:rPr>
                         <a:t>County</a:t>
                       </a:r>
-                      <a:endParaRPr lang="en-US" sz="2000" b="1" kern="100" cap="none" spc="0">
+                      <a:endParaRPr lang="en-US" sz="2000" b="1" kern="100" cap="none" spc="0" dirty="0">
                         <a:solidFill>
                           <a:schemeClr val="tx1"/>
                         </a:solidFill>
@@ -18542,7 +18726,7 @@
                         </a:spcAft>
                       </a:pPr>
                       <a:r>
-                        <a:rPr lang="en-US" sz="2000" kern="100" cap="none" spc="0">
+                        <a:rPr lang="en-US" sz="2000" kern="100" cap="none" spc="0" dirty="0">
                           <a:solidFill>
                             <a:schemeClr val="tx1"/>
                           </a:solidFill>
@@ -18550,7 +18734,7 @@
                         </a:rPr>
                         <a:t>9.999865e-01</a:t>
                       </a:r>
-                      <a:endParaRPr lang="en-US" sz="2000" kern="100" cap="none" spc="0">
+                      <a:endParaRPr lang="en-US" sz="2000" kern="100" cap="none" spc="0" dirty="0">
                         <a:solidFill>
                           <a:schemeClr val="tx1"/>
                         </a:solidFill>

--- a/Final PP V1.pptx
+++ b/Final PP V1.pptx
@@ -209,7 +209,7 @@
           <a:p>
             <a:fld id="{1236E0DD-D431-CB43-9E0C-1316AF5F6F55}" type="datetimeFigureOut">
               <a:rPr lang="en-US" smtClean="0"/>
-              <a:t>2/24/24</a:t>
+              <a:t>2/24/2024</a:t>
             </a:fld>
             <a:endParaRPr lang="en-US"/>
           </a:p>
@@ -1416,7 +1416,7 @@
                 <a:effectLst/>
                 <a:latin typeface="Söhne"/>
               </a:rPr>
-              <a:t>We're curious about how broader environmental factors, like climate, might play a role.</a:t>
+              <a:t>We're curious about how broader environmental factors, like climate, or environment factors might play a role</a:t>
             </a:r>
           </a:p>
           <a:p>
@@ -1510,7 +1510,7 @@
                 <a:effectLst/>
                 <a:latin typeface="Söhne"/>
               </a:rPr>
-              <a:t>: Armed with this knowledge, public health initiatives can be more customized and effective, reaching those at higher risk with precision and care.</a:t>
+              <a:t>: Armed with this knowledge, public health initiatives can be more customized and effective, reaching those at higher risk with precision and care. Also to continue to raise awareness of how impactful heart disease is</a:t>
             </a:r>
           </a:p>
           <a:p>
@@ -3028,7 +3028,7 @@
                 <a:effectLst/>
                 <a:latin typeface="Söhne"/>
               </a:rPr>
-              <a:t>This table is a summary of a statistical test called "Chi-square," which helps us determine if there are significant differences in heart disease mortality rates across different categories like gender, ethnicity, county, and state.</a:t>
+              <a:t>This table is a summary of a statistical test called "Chi-square," which helps us determine if there are significant association in heart disease mortality rates across different categories like gender, ethnicity, county, and state.</a:t>
             </a:r>
           </a:p>
           <a:p>
@@ -3122,7 +3122,7 @@
                 <a:effectLst/>
                 <a:latin typeface="Söhne"/>
               </a:rPr>
-              <a:t>are probably real and not just random.</a:t>
+              <a:t>are association and not just random.</a:t>
             </a:r>
           </a:p>
           <a:p>
@@ -3815,7 +3815,7 @@
           <a:p>
             <a:fld id="{78ABE3C1-DBE1-495D-B57B-2849774B866A}" type="datetimeFigureOut">
               <a:rPr lang="en-US" dirty="0"/>
-              <a:t>2/24/24</a:t>
+              <a:t>2/24/2024</a:t>
             </a:fld>
             <a:endParaRPr lang="en-US" dirty="0"/>
           </a:p>
@@ -4224,7 +4224,7 @@
           <a:p>
             <a:fld id="{446C117F-5CCF-4837-BE5F-2B92066CAFAF}" type="datetimeFigureOut">
               <a:rPr lang="en-US" dirty="0"/>
-              <a:t>2/24/24</a:t>
+              <a:t>2/24/2024</a:t>
             </a:fld>
             <a:endParaRPr lang="en-US" dirty="0"/>
           </a:p>
@@ -4555,7 +4555,7 @@
           <a:p>
             <a:fld id="{84EB90BD-B6CE-46B7-997F-7313B992CCDC}" type="datetimeFigureOut">
               <a:rPr lang="en-US" dirty="0"/>
-              <a:t>2/24/24</a:t>
+              <a:t>2/24/2024</a:t>
             </a:fld>
             <a:endParaRPr lang="en-US" dirty="0"/>
           </a:p>
@@ -4955,7 +4955,7 @@
           <a:p>
             <a:fld id="{CDB9D11F-B188-461D-B23F-39381795C052}" type="datetimeFigureOut">
               <a:rPr lang="en-US" dirty="0"/>
-              <a:t>2/24/24</a:t>
+              <a:t>2/24/2024</a:t>
             </a:fld>
             <a:endParaRPr lang="en-US" dirty="0"/>
           </a:p>
@@ -5518,7 +5518,7 @@
           <a:p>
             <a:fld id="{52E6D8D9-55A2-4063-B0F3-121F44549695}" type="datetimeFigureOut">
               <a:rPr lang="en-US" dirty="0"/>
-              <a:t>2/24/24</a:t>
+              <a:t>2/24/2024</a:t>
             </a:fld>
             <a:endParaRPr lang="en-US" dirty="0"/>
           </a:p>
@@ -6194,7 +6194,7 @@
           <a:p>
             <a:fld id="{D4B24536-994D-4021-A283-9F449C0DB509}" type="datetimeFigureOut">
               <a:rPr lang="en-US" dirty="0"/>
-              <a:t>2/24/24</a:t>
+              <a:t>2/24/2024</a:t>
             </a:fld>
             <a:endParaRPr lang="en-US" dirty="0"/>
           </a:p>
@@ -7102,7 +7102,7 @@
           <a:p>
             <a:fld id="{3CBBBB78-C96F-47B7-AB17-D852CA960AC9}" type="datetimeFigureOut">
               <a:rPr lang="en-US" dirty="0"/>
-              <a:t>2/24/24</a:t>
+              <a:t>2/24/2024</a:t>
             </a:fld>
             <a:endParaRPr lang="en-US" dirty="0"/>
           </a:p>
@@ -7410,7 +7410,7 @@
           <a:p>
             <a:fld id="{1FA3F48C-C7C6-4055-9F49-3777875E72AE}" type="datetimeFigureOut">
               <a:rPr lang="en-US" dirty="0"/>
-              <a:t>2/24/24</a:t>
+              <a:t>2/24/2024</a:t>
             </a:fld>
             <a:endParaRPr lang="en-US" dirty="0"/>
           </a:p>
@@ -7669,7 +7669,7 @@
           <a:p>
             <a:fld id="{6178E61D-D431-422C-9764-11DAFE33AB63}" type="datetimeFigureOut">
               <a:rPr lang="en-US" dirty="0"/>
-              <a:t>2/24/24</a:t>
+              <a:t>2/24/2024</a:t>
             </a:fld>
             <a:endParaRPr lang="en-US" dirty="0"/>
           </a:p>
@@ -7988,7 +7988,7 @@
           <a:p>
             <a:fld id="{12DE42F4-6EEF-4EF7-8ED4-2208F0F89A08}" type="datetimeFigureOut">
               <a:rPr lang="en-US" dirty="0"/>
-              <a:t>2/24/24</a:t>
+              <a:t>2/24/2024</a:t>
             </a:fld>
             <a:endParaRPr lang="en-US" dirty="0"/>
           </a:p>
@@ -8372,7 +8372,7 @@
           <a:p>
             <a:fld id="{30578ACC-22D6-47C1-A373-4FD133E34F3C}" type="datetimeFigureOut">
               <a:rPr lang="en-US" dirty="0"/>
-              <a:t>2/24/24</a:t>
+              <a:t>2/24/2024</a:t>
             </a:fld>
             <a:endParaRPr lang="en-US" dirty="0"/>
           </a:p>
@@ -8743,7 +8743,7 @@
           <a:p>
             <a:fld id="{4E5A6C69-6797-4E8A-BF37-F2C3751466E9}" type="datetimeFigureOut">
               <a:rPr lang="en-US" dirty="0"/>
-              <a:t>2/24/24</a:t>
+              <a:t>2/24/2024</a:t>
             </a:fld>
             <a:endParaRPr lang="en-US" dirty="0"/>
           </a:p>
@@ -9244,7 +9244,7 @@
           <a:p>
             <a:fld id="{D82014A1-A632-4878-A0D3-F52BA7563730}" type="datetimeFigureOut">
               <a:rPr lang="en-US" dirty="0"/>
-              <a:t>2/24/24</a:t>
+              <a:t>2/24/2024</a:t>
             </a:fld>
             <a:endParaRPr lang="en-US" dirty="0"/>
           </a:p>
@@ -9496,7 +9496,7 @@
           <a:p>
             <a:fld id="{CE99F462-093F-4566-844B-4C71F2739DA5}" type="datetimeFigureOut">
               <a:rPr lang="en-US" dirty="0"/>
-              <a:t>2/24/24</a:t>
+              <a:t>2/24/2024</a:t>
             </a:fld>
             <a:endParaRPr lang="en-US" dirty="0"/>
           </a:p>
@@ -9654,7 +9654,7 @@
           <a:p>
             <a:fld id="{3D24A7AC-904D-4781-85BA-7D10C17ED021}" type="datetimeFigureOut">
               <a:rPr lang="en-US" dirty="0"/>
-              <a:t>2/24/24</a:t>
+              <a:t>2/24/2024</a:t>
             </a:fld>
             <a:endParaRPr lang="en-US" dirty="0"/>
           </a:p>
@@ -10039,7 +10039,7 @@
           <a:p>
             <a:fld id="{E331444B-B92B-4E27-8C94-BB93EAF5CB18}" type="datetimeFigureOut">
               <a:rPr lang="en-US" dirty="0"/>
-              <a:t>2/24/24</a:t>
+              <a:t>2/24/2024</a:t>
             </a:fld>
             <a:endParaRPr lang="en-US" dirty="0"/>
           </a:p>
@@ -10443,7 +10443,7 @@
           <a:p>
             <a:fld id="{363EFA5E-FA76-400D-B3DC-F0BA90E6D107}" type="datetimeFigureOut">
               <a:rPr lang="en-US" dirty="0"/>
-              <a:t>2/24/24</a:t>
+              <a:t>2/24/2024</a:t>
             </a:fld>
             <a:endParaRPr lang="en-US" dirty="0"/>
           </a:p>
@@ -10682,7 +10682,7 @@
           <a:p>
             <a:fld id="{9D6E9DEC-419B-4CC5-A080-3B06BD5A8291}" type="datetimeFigureOut">
               <a:rPr lang="en-US" dirty="0"/>
-              <a:t>2/24/24</a:t>
+              <a:t>2/24/2024</a:t>
             </a:fld>
             <a:endParaRPr lang="en-US" dirty="0"/>
           </a:p>
@@ -11280,7 +11280,7 @@
             <a:pPr lvl="2"/>
             <a:r>
               <a:rPr lang="en-US" dirty="0"/>
-              <a:t>(z-score -58 Hispanic &amp; -81 Asian and Pacific Islander)</a:t>
+              <a:t>(z-score -58 Hispanic &amp; -81 Asian and Pacific Islander, both p-values &lt; .05)</a:t>
             </a:r>
           </a:p>
           <a:p>
@@ -11978,7 +11978,7 @@
                 <a:effectLst/>
                 <a:latin typeface="Söhne"/>
               </a:rPr>
-              <a:t>Females' death rate is slower as they age</a:t>
+              <a:t>Females' death rate is lower in the age bracket tested</a:t>
             </a:r>
           </a:p>
           <a:p>
@@ -12840,7 +12840,7 @@
                   <a:srgbClr val="FFFFFF"/>
                 </a:solidFill>
               </a:rPr>
-              <a:t>Whites 38 people out of 100,000 population</a:t>
+              <a:t>Whites 368 people out of 100,000 population</a:t>
             </a:r>
           </a:p>
           <a:p>
@@ -12865,7 +12865,7 @@
                   <a:srgbClr val="FFFFFF"/>
                 </a:solidFill>
               </a:rPr>
-              <a:t>Black increases by 60</a:t>
+              <a:t>Black increases by 60 people</a:t>
             </a:r>
           </a:p>
           <a:p>
@@ -12890,7 +12890,7 @@
                   <a:srgbClr val="FFFFFF"/>
                 </a:solidFill>
               </a:rPr>
-              <a:t>American Indian and Alaskan Natives increases by 35 compared to Whites</a:t>
+              <a:t>American Indian and Alaskan Natives increases by 35 people compared to Whites</a:t>
             </a:r>
           </a:p>
           <a:p>
@@ -13418,7 +13418,7 @@
         </p:spPr>
         <p:txBody>
           <a:bodyPr>
-            <a:normAutofit/>
+            <a:normAutofit lnSpcReduction="10000"/>
           </a:bodyPr>
           <a:lstStyle/>
           <a:p>
@@ -13441,12 +13441,8 @@
           </a:p>
           <a:p>
             <a:r>
-              <a:rPr lang="en-US" dirty="0" err="1"/>
-              <a:t>Cadiovascular</a:t>
-            </a:r>
-            <a:r>
               <a:rPr lang="en-US" dirty="0"/>
-              <a:t> diseases</a:t>
+              <a:t>Cardiovascular diseases</a:t>
             </a:r>
           </a:p>
           <a:p>
@@ -13475,6 +13471,16 @@
             <a:r>
               <a:rPr lang="en-US" dirty="0"/>
               <a:t>Strokes</a:t>
+            </a:r>
+          </a:p>
+          <a:p>
+            <a:r>
+              <a:rPr lang="en-US" dirty="0">
+                <a:solidFill>
+                  <a:srgbClr val="0070C0"/>
+                </a:solidFill>
+              </a:rPr>
+              <a:t>Need citation</a:t>
             </a:r>
           </a:p>
         </p:txBody>
@@ -14740,6 +14746,20 @@
               <a:t>Resources</a:t>
             </a:r>
           </a:p>
+          <a:p>
+            <a:pPr lvl="1" indent="-228600">
+              <a:buFont typeface="Arial" panose="020B0604020202020204" pitchFamily="34" charset="0"/>
+              <a:buChar char="•"/>
+            </a:pPr>
+            <a:r>
+              <a:rPr lang="en-US" sz="1200" dirty="0">
+                <a:solidFill>
+                  <a:srgbClr val="0070C0"/>
+                </a:solidFill>
+              </a:rPr>
+              <a:t>Need citations</a:t>
+            </a:r>
+          </a:p>
         </p:txBody>
       </p:sp>
     </p:spTree>
@@ -15379,7 +15399,7 @@
         </p:spPr>
         <p:txBody>
           <a:bodyPr vert="horz" lIns="91440" tIns="45720" rIns="91440" bIns="45720" rtlCol="0">
-            <a:normAutofit/>
+            <a:normAutofit fontScale="77500" lnSpcReduction="20000"/>
           </a:bodyPr>
           <a:lstStyle/>
           <a:p>
@@ -15393,7 +15413,7 @@
                   <a:srgbClr val="FFFFFF"/>
                 </a:solidFill>
               </a:rPr>
-              <a:t>Males and Females same height</a:t>
+              <a:t>Males and Females about the same height</a:t>
             </a:r>
           </a:p>
           <a:p>
@@ -15422,6 +15442,20 @@
                 </a:solidFill>
               </a:rPr>
               <a:t>Risk are different</a:t>
+            </a:r>
+          </a:p>
+          <a:p>
+            <a:pPr marL="285750" indent="-285750">
+              <a:buFont typeface="Arial" panose="020B0604020202020204" pitchFamily="34" charset="0"/>
+              <a:buChar char="•"/>
+            </a:pPr>
+            <a:r>
+              <a:rPr lang="en-US" sz="1400" dirty="0">
+                <a:solidFill>
+                  <a:srgbClr val="0070C0"/>
+                </a:solidFill>
+              </a:rPr>
+              <a:t>Need citation</a:t>
             </a:r>
           </a:p>
           <a:p>

--- a/Final PP V1.pptx
+++ b/Final PP V1.pptx
@@ -5,7 +5,7 @@
     <p:sldMasterId id="2147483648" r:id="rId1"/>
   </p:sldMasterIdLst>
   <p:notesMasterIdLst>
-    <p:notesMasterId r:id="rId15"/>
+    <p:notesMasterId r:id="rId16"/>
   </p:notesMasterIdLst>
   <p:sldIdLst>
     <p:sldId id="256" r:id="rId2"/>
@@ -21,6 +21,7 @@
     <p:sldId id="266" r:id="rId12"/>
     <p:sldId id="267" r:id="rId13"/>
     <p:sldId id="268" r:id="rId14"/>
+    <p:sldId id="269" r:id="rId15"/>
   </p:sldIdLst>
   <p:sldSz cx="12192000" cy="6858000"/>
   <p:notesSz cx="6858000" cy="9144000"/>
@@ -1186,6 +1187,35 @@
               <a:t>Hispanics have 151 fewer deaths, and Asian and Pacific Islanders have 195 fewer deaths than the White group per 100,000 population.</a:t>
             </a:r>
           </a:p>
+          <a:p>
+            <a:pPr marL="171450" indent="-171450" algn="l">
+              <a:buFontTx/>
+              <a:buChar char="-"/>
+            </a:pPr>
+            <a:endParaRPr lang="en-US" b="0" i="0" dirty="0">
+              <a:solidFill>
+                <a:srgbClr val="0D0D0D"/>
+              </a:solidFill>
+              <a:effectLst/>
+              <a:latin typeface="Söhne"/>
+            </a:endParaRPr>
+          </a:p>
+          <a:p>
+            <a:pPr marL="171450" indent="-171450" algn="l">
+              <a:buFontTx/>
+              <a:buChar char="-"/>
+            </a:pPr>
+            <a:r>
+              <a:rPr lang="en-US" b="0" i="0" dirty="0">
+                <a:solidFill>
+                  <a:srgbClr val="0D0D0D"/>
+                </a:solidFill>
+                <a:effectLst/>
+                <a:latin typeface="Söhne"/>
+              </a:rPr>
+              <a:t>To note clustering models shows very similar results</a:t>
+            </a:r>
+          </a:p>
         </p:txBody>
       </p:sp>
       <p:sp>
@@ -3106,7 +3136,27 @@
                 <a:effectLst/>
                 <a:latin typeface="Söhne"/>
               </a:rPr>
-              <a:t> This tells us whether the differences we see could just be due to chance. A small p-value (typically less than 5% or 0.05) suggests that the differences </a:t>
+              <a:t> This tells us whether the data is happening due to association </a:t>
+            </a:r>
+            <a:r>
+              <a:rPr lang="en-US" b="0" i="0">
+                <a:solidFill>
+                  <a:srgbClr val="0D0D0D"/>
+                </a:solidFill>
+                <a:effectLst/>
+                <a:latin typeface="Söhne"/>
+              </a:rPr>
+              <a:t>or chance. A </a:t>
+            </a:r>
+            <a:r>
+              <a:rPr lang="en-US" b="0" i="0" dirty="0">
+                <a:solidFill>
+                  <a:srgbClr val="0D0D0D"/>
+                </a:solidFill>
+                <a:effectLst/>
+                <a:latin typeface="Söhne"/>
+              </a:rPr>
+              <a:t>small p-value (typically less than 5% or 0.05) suggests that the differences </a:t>
             </a:r>
           </a:p>
           <a:p>
@@ -13248,6 +13298,86 @@
     <p:extLst>
       <p:ext uri="{BB962C8B-B14F-4D97-AF65-F5344CB8AC3E}">
         <p14:creationId xmlns:p14="http://schemas.microsoft.com/office/powerpoint/2010/main" val="1058521766"/>
+      </p:ext>
+    </p:extLst>
+  </p:cSld>
+  <p:clrMapOvr>
+    <a:masterClrMapping/>
+  </p:clrMapOvr>
+</p:sld>
+</file>
+
+<file path=ppt/slides/slide14.xml><?xml version="1.0" encoding="utf-8"?>
+<p:sld xmlns:a="http://schemas.openxmlformats.org/drawingml/2006/main" xmlns:r="http://schemas.openxmlformats.org/officeDocument/2006/relationships" xmlns:p="http://schemas.openxmlformats.org/presentationml/2006/main">
+  <p:cSld>
+    <p:spTree>
+      <p:nvGrpSpPr>
+        <p:cNvPr id="1" name=""/>
+        <p:cNvGrpSpPr/>
+        <p:nvPr/>
+      </p:nvGrpSpPr>
+      <p:grpSpPr>
+        <a:xfrm>
+          <a:off x="0" y="0"/>
+          <a:ext cx="0" cy="0"/>
+          <a:chOff x="0" y="0"/>
+          <a:chExt cx="0" cy="0"/>
+        </a:xfrm>
+      </p:grpSpPr>
+      <p:sp>
+        <p:nvSpPr>
+          <p:cNvPr id="2" name="Title 1">
+            <a:extLst>
+              <a:ext uri="{FF2B5EF4-FFF2-40B4-BE49-F238E27FC236}">
+                <a16:creationId xmlns:a16="http://schemas.microsoft.com/office/drawing/2014/main" id="{E5AD79BF-9B2D-404E-DCF4-6AEAC43577A5}"/>
+              </a:ext>
+            </a:extLst>
+          </p:cNvPr>
+          <p:cNvSpPr>
+            <a:spLocks noGrp="1"/>
+          </p:cNvSpPr>
+          <p:nvPr>
+            <p:ph type="title"/>
+          </p:nvPr>
+        </p:nvSpPr>
+        <p:spPr/>
+        <p:txBody>
+          <a:bodyPr/>
+          <a:lstStyle/>
+          <a:p>
+            <a:endParaRPr lang="en-US"/>
+          </a:p>
+        </p:txBody>
+      </p:sp>
+      <p:sp>
+        <p:nvSpPr>
+          <p:cNvPr id="3" name="Content Placeholder 2">
+            <a:extLst>
+              <a:ext uri="{FF2B5EF4-FFF2-40B4-BE49-F238E27FC236}">
+                <a16:creationId xmlns:a16="http://schemas.microsoft.com/office/drawing/2014/main" id="{88E98DFA-C5F2-E775-3BF0-BD14E6CFFC6E}"/>
+              </a:ext>
+            </a:extLst>
+          </p:cNvPr>
+          <p:cNvSpPr>
+            <a:spLocks noGrp="1"/>
+          </p:cNvSpPr>
+          <p:nvPr>
+            <p:ph idx="1"/>
+          </p:nvPr>
+        </p:nvSpPr>
+        <p:spPr/>
+        <p:txBody>
+          <a:bodyPr/>
+          <a:lstStyle/>
+          <a:p>
+            <a:endParaRPr lang="en-US" dirty="0"/>
+          </a:p>
+        </p:txBody>
+      </p:sp>
+    </p:spTree>
+    <p:extLst>
+      <p:ext uri="{BB962C8B-B14F-4D97-AF65-F5344CB8AC3E}">
+        <p14:creationId xmlns:p14="http://schemas.microsoft.com/office/powerpoint/2010/main" val="2807895562"/>
       </p:ext>
     </p:extLst>
   </p:cSld>

--- a/Final PP V1.pptx
+++ b/Final PP V1.pptx
@@ -13345,7 +13345,10 @@
           <a:bodyPr/>
           <a:lstStyle/>
           <a:p>
-            <a:endParaRPr lang="en-US"/>
+            <a:r>
+              <a:rPr lang="en-US" dirty="0"/>
+              <a:t>Aaron Contributions</a:t>
+            </a:r>
           </a:p>
         </p:txBody>
       </p:sp>
@@ -13365,10 +13368,177 @@
             <p:ph idx="1"/>
           </p:nvPr>
         </p:nvSpPr>
-        <p:spPr/>
-        <p:txBody>
-          <a:bodyPr/>
+        <p:spPr>
+          <a:xfrm>
+            <a:off x="680321" y="2336872"/>
+            <a:ext cx="9613861" cy="4336643"/>
+          </a:xfrm>
+        </p:spPr>
+        <p:txBody>
+          <a:bodyPr>
+            <a:normAutofit fontScale="25000" lnSpcReduction="20000"/>
+          </a:bodyPr>
           <a:lstStyle/>
+          <a:p>
+            <a:r>
+              <a:rPr lang="en-US" dirty="0"/>
+              <a:t>Created the </a:t>
+            </a:r>
+            <a:r>
+              <a:rPr lang="en-US" dirty="0" err="1"/>
+              <a:t>Github</a:t>
+            </a:r>
+            <a:endParaRPr lang="en-US" dirty="0"/>
+          </a:p>
+          <a:p>
+            <a:r>
+              <a:rPr lang="en-US" dirty="0"/>
+              <a:t>Cleaned and created 2 data sets</a:t>
+            </a:r>
+          </a:p>
+          <a:p>
+            <a:r>
+              <a:rPr lang="en-US" dirty="0"/>
+              <a:t>Removed the outliers</a:t>
+            </a:r>
+          </a:p>
+          <a:p>
+            <a:r>
+              <a:rPr lang="en-US" dirty="0"/>
+              <a:t>Got the 5 number summary for both datasets</a:t>
+            </a:r>
+          </a:p>
+          <a:p>
+            <a:r>
+              <a:rPr lang="en-US" dirty="0"/>
+              <a:t>Got the error rate for the datasets</a:t>
+            </a:r>
+          </a:p>
+          <a:p>
+            <a:r>
+              <a:rPr lang="en-US" dirty="0"/>
+              <a:t>Created the histogram for both data sets</a:t>
+            </a:r>
+          </a:p>
+          <a:p>
+            <a:r>
+              <a:rPr lang="en-US" dirty="0"/>
+              <a:t>Qc the boxplots and </a:t>
+            </a:r>
+            <a:r>
+              <a:rPr lang="en-US" dirty="0" err="1"/>
+              <a:t>bargraphs</a:t>
+            </a:r>
+            <a:endParaRPr lang="en-US" dirty="0"/>
+          </a:p>
+          <a:p>
+            <a:r>
+              <a:rPr lang="en-US" dirty="0"/>
+              <a:t>Created the overall boxplots and </a:t>
+            </a:r>
+            <a:r>
+              <a:rPr lang="en-US" dirty="0" err="1"/>
+              <a:t>bargraphs</a:t>
+            </a:r>
+            <a:endParaRPr lang="en-US" dirty="0"/>
+          </a:p>
+          <a:p>
+            <a:r>
+              <a:rPr lang="en-US" dirty="0"/>
+              <a:t>Qc the chi square</a:t>
+            </a:r>
+          </a:p>
+          <a:p>
+            <a:r>
+              <a:rPr lang="en-US" dirty="0"/>
+              <a:t>Qc the </a:t>
+            </a:r>
+            <a:r>
+              <a:rPr lang="en-US" dirty="0" err="1"/>
+              <a:t>zscore</a:t>
+            </a:r>
+            <a:endParaRPr lang="en-US" dirty="0"/>
+          </a:p>
+          <a:p>
+            <a:r>
+              <a:rPr lang="en-US" dirty="0"/>
+              <a:t>Created linear regression for gender</a:t>
+            </a:r>
+          </a:p>
+          <a:p>
+            <a:r>
+              <a:rPr lang="en-US" dirty="0"/>
+              <a:t>Created linear regression for ethnicity</a:t>
+            </a:r>
+          </a:p>
+          <a:p>
+            <a:r>
+              <a:rPr lang="en-US" dirty="0"/>
+              <a:t>Identified multicollinearity and Created </a:t>
+            </a:r>
+            <a:r>
+              <a:rPr lang="en-US" dirty="0" err="1"/>
+              <a:t>vif</a:t>
+            </a:r>
+            <a:r>
+              <a:rPr lang="en-US" dirty="0"/>
+              <a:t> process for fix</a:t>
+            </a:r>
+          </a:p>
+          <a:p>
+            <a:r>
+              <a:rPr lang="en-US" dirty="0"/>
+              <a:t>Created the hot encoded process for multi categorical variables</a:t>
+            </a:r>
+          </a:p>
+          <a:p>
+            <a:r>
+              <a:rPr lang="en-US" dirty="0"/>
+              <a:t>Created linear regression for states</a:t>
+            </a:r>
+          </a:p>
+          <a:p>
+            <a:r>
+              <a:rPr lang="en-US" dirty="0"/>
+              <a:t>Pulled out the states of interest</a:t>
+            </a:r>
+          </a:p>
+          <a:p>
+            <a:r>
+              <a:rPr lang="en-US" dirty="0"/>
+              <a:t>Created clustering models and process</a:t>
+            </a:r>
+          </a:p>
+          <a:p>
+            <a:r>
+              <a:rPr lang="en-US" dirty="0"/>
+              <a:t>QC linear regression modeling </a:t>
+            </a:r>
+          </a:p>
+          <a:p>
+            <a:r>
+              <a:rPr lang="en-US" dirty="0"/>
+              <a:t>Pulled out the linear regression models to identify the anomalies for states</a:t>
+            </a:r>
+          </a:p>
+          <a:p>
+            <a:r>
+              <a:rPr lang="en-US" dirty="0"/>
+              <a:t>Wrote the technical report</a:t>
+            </a:r>
+          </a:p>
+          <a:p>
+            <a:r>
+              <a:rPr lang="en-US" dirty="0"/>
+              <a:t>Found references for the introduction statistics for the report</a:t>
+            </a:r>
+          </a:p>
+          <a:p>
+            <a:r>
+              <a:rPr lang="en-US" dirty="0"/>
+              <a:t>QC the presentation </a:t>
+            </a:r>
+          </a:p>
           <a:p>
             <a:endParaRPr lang="en-US" dirty="0"/>
           </a:p>

--- a/Final PP V1.pptx
+++ b/Final PP V1.pptx
@@ -5,7 +5,7 @@
     <p:sldMasterId id="2147483648" r:id="rId1"/>
   </p:sldMasterIdLst>
   <p:notesMasterIdLst>
-    <p:notesMasterId r:id="rId16"/>
+    <p:notesMasterId r:id="rId17"/>
   </p:notesMasterIdLst>
   <p:sldIdLst>
     <p:sldId id="256" r:id="rId2"/>
@@ -22,6 +22,7 @@
     <p:sldId id="267" r:id="rId13"/>
     <p:sldId id="268" r:id="rId14"/>
     <p:sldId id="269" r:id="rId15"/>
+    <p:sldId id="270" r:id="rId16"/>
   </p:sldIdLst>
   <p:sldSz cx="12192000" cy="6858000"/>
   <p:notesSz cx="6858000" cy="9144000"/>
@@ -210,7 +211,7 @@
           <a:p>
             <a:fld id="{1236E0DD-D431-CB43-9E0C-1316AF5F6F55}" type="datetimeFigureOut">
               <a:rPr lang="en-US" smtClean="0"/>
-              <a:t>2/24/2024</a:t>
+              <a:t>2/24/24</a:t>
             </a:fld>
             <a:endParaRPr lang="en-US"/>
           </a:p>
@@ -1608,6 +1609,174 @@
 </p:notes>
 </file>
 
+<file path=ppt/notesSlides/notesSlide13.xml><?xml version="1.0" encoding="utf-8"?>
+<p:notes xmlns:a="http://schemas.openxmlformats.org/drawingml/2006/main" xmlns:r="http://schemas.openxmlformats.org/officeDocument/2006/relationships" xmlns:p="http://schemas.openxmlformats.org/presentationml/2006/main">
+  <p:cSld>
+    <p:spTree>
+      <p:nvGrpSpPr>
+        <p:cNvPr id="1" name=""/>
+        <p:cNvGrpSpPr/>
+        <p:nvPr/>
+      </p:nvGrpSpPr>
+      <p:grpSpPr>
+        <a:xfrm>
+          <a:off x="0" y="0"/>
+          <a:ext cx="0" cy="0"/>
+          <a:chOff x="0" y="0"/>
+          <a:chExt cx="0" cy="0"/>
+        </a:xfrm>
+      </p:grpSpPr>
+      <p:sp>
+        <p:nvSpPr>
+          <p:cNvPr id="2" name="Slide Image Placeholder 1"/>
+          <p:cNvSpPr>
+            <a:spLocks noGrp="1" noRot="1" noChangeAspect="1"/>
+          </p:cNvSpPr>
+          <p:nvPr>
+            <p:ph type="sldImg"/>
+          </p:nvPr>
+        </p:nvSpPr>
+        <p:spPr/>
+      </p:sp>
+      <p:sp>
+        <p:nvSpPr>
+          <p:cNvPr id="3" name="Notes Placeholder 2"/>
+          <p:cNvSpPr>
+            <a:spLocks noGrp="1"/>
+          </p:cNvSpPr>
+          <p:nvPr>
+            <p:ph type="body" idx="1"/>
+          </p:nvPr>
+        </p:nvSpPr>
+        <p:spPr/>
+        <p:txBody>
+          <a:bodyPr/>
+          <a:lstStyle/>
+          <a:p>
+            <a:endParaRPr lang="en-US" dirty="0"/>
+          </a:p>
+        </p:txBody>
+      </p:sp>
+      <p:sp>
+        <p:nvSpPr>
+          <p:cNvPr id="4" name="Slide Number Placeholder 3"/>
+          <p:cNvSpPr>
+            <a:spLocks noGrp="1"/>
+          </p:cNvSpPr>
+          <p:nvPr>
+            <p:ph type="sldNum" sz="quarter" idx="5"/>
+          </p:nvPr>
+        </p:nvSpPr>
+        <p:spPr/>
+        <p:txBody>
+          <a:bodyPr/>
+          <a:lstStyle/>
+          <a:p>
+            <a:fld id="{4332BD82-836A-4B4B-AD57-9239A943BB72}" type="slidenum">
+              <a:rPr lang="en-US" smtClean="0"/>
+              <a:t>14</a:t>
+            </a:fld>
+            <a:endParaRPr lang="en-US"/>
+          </a:p>
+        </p:txBody>
+      </p:sp>
+    </p:spTree>
+    <p:extLst>
+      <p:ext uri="{BB962C8B-B14F-4D97-AF65-F5344CB8AC3E}">
+        <p14:creationId xmlns:p14="http://schemas.microsoft.com/office/powerpoint/2010/main" val="2380225866"/>
+      </p:ext>
+    </p:extLst>
+  </p:cSld>
+  <p:clrMapOvr>
+    <a:masterClrMapping/>
+  </p:clrMapOvr>
+</p:notes>
+</file>
+
+<file path=ppt/notesSlides/notesSlide14.xml><?xml version="1.0" encoding="utf-8"?>
+<p:notes xmlns:a="http://schemas.openxmlformats.org/drawingml/2006/main" xmlns:r="http://schemas.openxmlformats.org/officeDocument/2006/relationships" xmlns:p="http://schemas.openxmlformats.org/presentationml/2006/main">
+  <p:cSld>
+    <p:spTree>
+      <p:nvGrpSpPr>
+        <p:cNvPr id="1" name=""/>
+        <p:cNvGrpSpPr/>
+        <p:nvPr/>
+      </p:nvGrpSpPr>
+      <p:grpSpPr>
+        <a:xfrm>
+          <a:off x="0" y="0"/>
+          <a:ext cx="0" cy="0"/>
+          <a:chOff x="0" y="0"/>
+          <a:chExt cx="0" cy="0"/>
+        </a:xfrm>
+      </p:grpSpPr>
+      <p:sp>
+        <p:nvSpPr>
+          <p:cNvPr id="2" name="Slide Image Placeholder 1"/>
+          <p:cNvSpPr>
+            <a:spLocks noGrp="1" noRot="1" noChangeAspect="1"/>
+          </p:cNvSpPr>
+          <p:nvPr>
+            <p:ph type="sldImg"/>
+          </p:nvPr>
+        </p:nvSpPr>
+        <p:spPr/>
+      </p:sp>
+      <p:sp>
+        <p:nvSpPr>
+          <p:cNvPr id="3" name="Notes Placeholder 2"/>
+          <p:cNvSpPr>
+            <a:spLocks noGrp="1"/>
+          </p:cNvSpPr>
+          <p:nvPr>
+            <p:ph type="body" idx="1"/>
+          </p:nvPr>
+        </p:nvSpPr>
+        <p:spPr/>
+        <p:txBody>
+          <a:bodyPr/>
+          <a:lstStyle/>
+          <a:p>
+            <a:endParaRPr lang="en-US" dirty="0"/>
+          </a:p>
+        </p:txBody>
+      </p:sp>
+      <p:sp>
+        <p:nvSpPr>
+          <p:cNvPr id="4" name="Slide Number Placeholder 3"/>
+          <p:cNvSpPr>
+            <a:spLocks noGrp="1"/>
+          </p:cNvSpPr>
+          <p:nvPr>
+            <p:ph type="sldNum" sz="quarter" idx="5"/>
+          </p:nvPr>
+        </p:nvSpPr>
+        <p:spPr/>
+        <p:txBody>
+          <a:bodyPr/>
+          <a:lstStyle/>
+          <a:p>
+            <a:fld id="{4332BD82-836A-4B4B-AD57-9239A943BB72}" type="slidenum">
+              <a:rPr lang="en-US" smtClean="0"/>
+              <a:t>15</a:t>
+            </a:fld>
+            <a:endParaRPr lang="en-US"/>
+          </a:p>
+        </p:txBody>
+      </p:sp>
+    </p:spTree>
+    <p:extLst>
+      <p:ext uri="{BB962C8B-B14F-4D97-AF65-F5344CB8AC3E}">
+        <p14:creationId xmlns:p14="http://schemas.microsoft.com/office/powerpoint/2010/main" val="1805119293"/>
+      </p:ext>
+    </p:extLst>
+  </p:cSld>
+  <p:clrMapOvr>
+    <a:masterClrMapping/>
+  </p:clrMapOvr>
+</p:notes>
+</file>
+
 <file path=ppt/notesSlides/notesSlide2.xml><?xml version="1.0" encoding="utf-8"?>
 <p:notes xmlns:a="http://schemas.openxmlformats.org/drawingml/2006/main" xmlns:r="http://schemas.openxmlformats.org/officeDocument/2006/relationships" xmlns:p="http://schemas.openxmlformats.org/presentationml/2006/main">
   <p:cSld>
@@ -3865,7 +4034,7 @@
           <a:p>
             <a:fld id="{78ABE3C1-DBE1-495D-B57B-2849774B866A}" type="datetimeFigureOut">
               <a:rPr lang="en-US" dirty="0"/>
-              <a:t>2/24/2024</a:t>
+              <a:t>2/24/24</a:t>
             </a:fld>
             <a:endParaRPr lang="en-US" dirty="0"/>
           </a:p>
@@ -4274,7 +4443,7 @@
           <a:p>
             <a:fld id="{446C117F-5CCF-4837-BE5F-2B92066CAFAF}" type="datetimeFigureOut">
               <a:rPr lang="en-US" dirty="0"/>
-              <a:t>2/24/2024</a:t>
+              <a:t>2/24/24</a:t>
             </a:fld>
             <a:endParaRPr lang="en-US" dirty="0"/>
           </a:p>
@@ -4605,7 +4774,7 @@
           <a:p>
             <a:fld id="{84EB90BD-B6CE-46B7-997F-7313B992CCDC}" type="datetimeFigureOut">
               <a:rPr lang="en-US" dirty="0"/>
-              <a:t>2/24/2024</a:t>
+              <a:t>2/24/24</a:t>
             </a:fld>
             <a:endParaRPr lang="en-US" dirty="0"/>
           </a:p>
@@ -5005,7 +5174,7 @@
           <a:p>
             <a:fld id="{CDB9D11F-B188-461D-B23F-39381795C052}" type="datetimeFigureOut">
               <a:rPr lang="en-US" dirty="0"/>
-              <a:t>2/24/2024</a:t>
+              <a:t>2/24/24</a:t>
             </a:fld>
             <a:endParaRPr lang="en-US" dirty="0"/>
           </a:p>
@@ -5568,7 +5737,7 @@
           <a:p>
             <a:fld id="{52E6D8D9-55A2-4063-B0F3-121F44549695}" type="datetimeFigureOut">
               <a:rPr lang="en-US" dirty="0"/>
-              <a:t>2/24/2024</a:t>
+              <a:t>2/24/24</a:t>
             </a:fld>
             <a:endParaRPr lang="en-US" dirty="0"/>
           </a:p>
@@ -6244,7 +6413,7 @@
           <a:p>
             <a:fld id="{D4B24536-994D-4021-A283-9F449C0DB509}" type="datetimeFigureOut">
               <a:rPr lang="en-US" dirty="0"/>
-              <a:t>2/24/2024</a:t>
+              <a:t>2/24/24</a:t>
             </a:fld>
             <a:endParaRPr lang="en-US" dirty="0"/>
           </a:p>
@@ -7152,7 +7321,7 @@
           <a:p>
             <a:fld id="{3CBBBB78-C96F-47B7-AB17-D852CA960AC9}" type="datetimeFigureOut">
               <a:rPr lang="en-US" dirty="0"/>
-              <a:t>2/24/2024</a:t>
+              <a:t>2/24/24</a:t>
             </a:fld>
             <a:endParaRPr lang="en-US" dirty="0"/>
           </a:p>
@@ -7460,7 +7629,7 @@
           <a:p>
             <a:fld id="{1FA3F48C-C7C6-4055-9F49-3777875E72AE}" type="datetimeFigureOut">
               <a:rPr lang="en-US" dirty="0"/>
-              <a:t>2/24/2024</a:t>
+              <a:t>2/24/24</a:t>
             </a:fld>
             <a:endParaRPr lang="en-US" dirty="0"/>
           </a:p>
@@ -7719,7 +7888,7 @@
           <a:p>
             <a:fld id="{6178E61D-D431-422C-9764-11DAFE33AB63}" type="datetimeFigureOut">
               <a:rPr lang="en-US" dirty="0"/>
-              <a:t>2/24/2024</a:t>
+              <a:t>2/24/24</a:t>
             </a:fld>
             <a:endParaRPr lang="en-US" dirty="0"/>
           </a:p>
@@ -8038,7 +8207,7 @@
           <a:p>
             <a:fld id="{12DE42F4-6EEF-4EF7-8ED4-2208F0F89A08}" type="datetimeFigureOut">
               <a:rPr lang="en-US" dirty="0"/>
-              <a:t>2/24/2024</a:t>
+              <a:t>2/24/24</a:t>
             </a:fld>
             <a:endParaRPr lang="en-US" dirty="0"/>
           </a:p>
@@ -8422,7 +8591,7 @@
           <a:p>
             <a:fld id="{30578ACC-22D6-47C1-A373-4FD133E34F3C}" type="datetimeFigureOut">
               <a:rPr lang="en-US" dirty="0"/>
-              <a:t>2/24/2024</a:t>
+              <a:t>2/24/24</a:t>
             </a:fld>
             <a:endParaRPr lang="en-US" dirty="0"/>
           </a:p>
@@ -8793,7 +8962,7 @@
           <a:p>
             <a:fld id="{4E5A6C69-6797-4E8A-BF37-F2C3751466E9}" type="datetimeFigureOut">
               <a:rPr lang="en-US" dirty="0"/>
-              <a:t>2/24/2024</a:t>
+              <a:t>2/24/24</a:t>
             </a:fld>
             <a:endParaRPr lang="en-US" dirty="0"/>
           </a:p>
@@ -9294,7 +9463,7 @@
           <a:p>
             <a:fld id="{D82014A1-A632-4878-A0D3-F52BA7563730}" type="datetimeFigureOut">
               <a:rPr lang="en-US" dirty="0"/>
-              <a:t>2/24/2024</a:t>
+              <a:t>2/24/24</a:t>
             </a:fld>
             <a:endParaRPr lang="en-US" dirty="0"/>
           </a:p>
@@ -9546,7 +9715,7 @@
           <a:p>
             <a:fld id="{CE99F462-093F-4566-844B-4C71F2739DA5}" type="datetimeFigureOut">
               <a:rPr lang="en-US" dirty="0"/>
-              <a:t>2/24/2024</a:t>
+              <a:t>2/24/24</a:t>
             </a:fld>
             <a:endParaRPr lang="en-US" dirty="0"/>
           </a:p>
@@ -9704,7 +9873,7 @@
           <a:p>
             <a:fld id="{3D24A7AC-904D-4781-85BA-7D10C17ED021}" type="datetimeFigureOut">
               <a:rPr lang="en-US" dirty="0"/>
-              <a:t>2/24/2024</a:t>
+              <a:t>2/24/24</a:t>
             </a:fld>
             <a:endParaRPr lang="en-US" dirty="0"/>
           </a:p>
@@ -10089,7 +10258,7 @@
           <a:p>
             <a:fld id="{E331444B-B92B-4E27-8C94-BB93EAF5CB18}" type="datetimeFigureOut">
               <a:rPr lang="en-US" dirty="0"/>
-              <a:t>2/24/2024</a:t>
+              <a:t>2/24/24</a:t>
             </a:fld>
             <a:endParaRPr lang="en-US" dirty="0"/>
           </a:p>
@@ -10493,7 +10662,7 @@
           <a:p>
             <a:fld id="{363EFA5E-FA76-400D-B3DC-F0BA90E6D107}" type="datetimeFigureOut">
               <a:rPr lang="en-US" dirty="0"/>
-              <a:t>2/24/2024</a:t>
+              <a:t>2/24/24</a:t>
             </a:fld>
             <a:endParaRPr lang="en-US" dirty="0"/>
           </a:p>
@@ -10732,7 +10901,7 @@
           <a:p>
             <a:fld id="{9D6E9DEC-419B-4CC5-A080-3B06BD5A8291}" type="datetimeFigureOut">
               <a:rPr lang="en-US" dirty="0"/>
-              <a:t>2/24/2024</a:t>
+              <a:t>2/24/24</a:t>
             </a:fld>
             <a:endParaRPr lang="en-US" dirty="0"/>
           </a:p>
@@ -11217,6 +11386,41 @@
 <file path=ppt/slides/slide10.xml><?xml version="1.0" encoding="utf-8"?>
 <p:sld xmlns:a="http://schemas.openxmlformats.org/drawingml/2006/main" xmlns:r="http://schemas.openxmlformats.org/officeDocument/2006/relationships" xmlns:p="http://schemas.openxmlformats.org/presentationml/2006/main">
   <p:cSld>
+    <p:bg>
+      <p:bgPr>
+        <a:gradFill rotWithShape="1">
+          <a:gsLst>
+            <a:gs pos="0">
+              <a:schemeClr val="bg2">
+                <a:tint val="96000"/>
+                <a:shade val="100000"/>
+                <a:hueMod val="270000"/>
+                <a:satMod val="200000"/>
+                <a:lumMod val="128000"/>
+              </a:schemeClr>
+            </a:gs>
+            <a:gs pos="47000">
+              <a:schemeClr val="bg2">
+                <a:shade val="100000"/>
+                <a:hueMod val="100000"/>
+                <a:satMod val="110000"/>
+                <a:lumMod val="130000"/>
+              </a:schemeClr>
+            </a:gs>
+            <a:gs pos="100000">
+              <a:schemeClr val="bg2">
+                <a:shade val="78000"/>
+                <a:hueMod val="44000"/>
+                <a:satMod val="200000"/>
+                <a:lumMod val="69000"/>
+              </a:schemeClr>
+            </a:gs>
+          </a:gsLst>
+          <a:lin ang="2520000" scaled="0"/>
+        </a:gradFill>
+        <a:effectLst/>
+      </p:bgPr>
+    </p:bg>
     <p:spTree>
       <p:nvGrpSpPr>
         <p:cNvPr id="1" name=""/>
@@ -11247,7 +11451,12 @@
             <p:ph type="title"/>
           </p:nvPr>
         </p:nvSpPr>
-        <p:spPr/>
+        <p:spPr>
+          <a:xfrm>
+            <a:off x="680321" y="753228"/>
+            <a:ext cx="8772289" cy="1080938"/>
+          </a:xfrm>
+        </p:spPr>
         <p:txBody>
           <a:bodyPr/>
           <a:lstStyle/>
@@ -12228,6 +12437,41 @@
           </a:prstGeom>
         </p:spPr>
       </p:pic>
+      <p:sp>
+        <p:nvSpPr>
+          <p:cNvPr id="3" name="TextBox 2">
+            <a:extLst>
+              <a:ext uri="{FF2B5EF4-FFF2-40B4-BE49-F238E27FC236}">
+                <a16:creationId xmlns:a16="http://schemas.microsoft.com/office/drawing/2014/main" id="{8444CC59-2220-1CBC-5AB3-877DAAB553E5}"/>
+              </a:ext>
+            </a:extLst>
+          </p:cNvPr>
+          <p:cNvSpPr txBox="1"/>
+          <p:nvPr/>
+        </p:nvSpPr>
+        <p:spPr>
+          <a:xfrm>
+            <a:off x="5276090" y="6325638"/>
+            <a:ext cx="6272654" cy="276999"/>
+          </a:xfrm>
+          <a:prstGeom prst="rect">
+            <a:avLst/>
+          </a:prstGeom>
+          <a:noFill/>
+        </p:spPr>
+        <p:txBody>
+          <a:bodyPr wrap="square" rtlCol="0">
+            <a:spAutoFit/>
+          </a:bodyPr>
+          <a:lstStyle/>
+          <a:p>
+            <a:r>
+              <a:rPr lang="en-US" sz="1200" dirty="0"/>
+              <a:t>Figure 7: Linear Regression Model by Gender</a:t>
+            </a:r>
+          </a:p>
+        </p:txBody>
+      </p:sp>
     </p:spTree>
     <p:extLst>
       <p:ext uri="{BB962C8B-B14F-4D97-AF65-F5344CB8AC3E}">
@@ -13108,6 +13352,41 @@
           </a:prstGeom>
         </p:spPr>
       </p:pic>
+      <p:sp>
+        <p:nvSpPr>
+          <p:cNvPr id="5" name="TextBox 4">
+            <a:extLst>
+              <a:ext uri="{FF2B5EF4-FFF2-40B4-BE49-F238E27FC236}">
+                <a16:creationId xmlns:a16="http://schemas.microsoft.com/office/drawing/2014/main" id="{AE8AC94C-0ABE-5DC0-411C-BA2789F33376}"/>
+              </a:ext>
+            </a:extLst>
+          </p:cNvPr>
+          <p:cNvSpPr txBox="1"/>
+          <p:nvPr/>
+        </p:nvSpPr>
+        <p:spPr>
+          <a:xfrm>
+            <a:off x="5276090" y="6325638"/>
+            <a:ext cx="6272654" cy="276999"/>
+          </a:xfrm>
+          <a:prstGeom prst="rect">
+            <a:avLst/>
+          </a:prstGeom>
+          <a:noFill/>
+        </p:spPr>
+        <p:txBody>
+          <a:bodyPr wrap="square" rtlCol="0">
+            <a:spAutoFit/>
+          </a:bodyPr>
+          <a:lstStyle/>
+          <a:p>
+            <a:r>
+              <a:rPr lang="en-US" sz="1200" dirty="0"/>
+              <a:t>Figure 8: Linear Regression Model by Race</a:t>
+            </a:r>
+          </a:p>
+        </p:txBody>
+      </p:sp>
     </p:spTree>
     <p:extLst>
       <p:ext uri="{BB962C8B-B14F-4D97-AF65-F5344CB8AC3E}">
@@ -13124,6 +13403,41 @@
 <file path=ppt/slides/slide13.xml><?xml version="1.0" encoding="utf-8"?>
 <p:sld xmlns:a="http://schemas.openxmlformats.org/drawingml/2006/main" xmlns:r="http://schemas.openxmlformats.org/officeDocument/2006/relationships" xmlns:p="http://schemas.openxmlformats.org/presentationml/2006/main">
   <p:cSld>
+    <p:bg>
+      <p:bgPr>
+        <a:gradFill rotWithShape="1">
+          <a:gsLst>
+            <a:gs pos="0">
+              <a:schemeClr val="bg2">
+                <a:tint val="96000"/>
+                <a:shade val="100000"/>
+                <a:hueMod val="270000"/>
+                <a:satMod val="200000"/>
+                <a:lumMod val="128000"/>
+              </a:schemeClr>
+            </a:gs>
+            <a:gs pos="43000">
+              <a:schemeClr val="bg2">
+                <a:shade val="100000"/>
+                <a:hueMod val="100000"/>
+                <a:satMod val="110000"/>
+                <a:lumMod val="130000"/>
+              </a:schemeClr>
+            </a:gs>
+            <a:gs pos="100000">
+              <a:schemeClr val="bg2">
+                <a:shade val="78000"/>
+                <a:hueMod val="44000"/>
+                <a:satMod val="200000"/>
+                <a:lumMod val="69000"/>
+              </a:schemeClr>
+            </a:gs>
+          </a:gsLst>
+          <a:lin ang="2520000" scaled="0"/>
+        </a:gradFill>
+        <a:effectLst/>
+      </p:bgPr>
+    </p:bg>
     <p:spTree>
       <p:nvGrpSpPr>
         <p:cNvPr id="1" name=""/>
@@ -13340,15 +13654,66 @@
             <p:ph type="title"/>
           </p:nvPr>
         </p:nvSpPr>
-        <p:spPr/>
+        <p:spPr>
+          <a:xfrm>
+            <a:off x="451284" y="759298"/>
+            <a:ext cx="8546472" cy="1080938"/>
+          </a:xfrm>
+        </p:spPr>
         <p:txBody>
           <a:bodyPr/>
           <a:lstStyle/>
           <a:p>
             <a:r>
               <a:rPr lang="en-US" dirty="0"/>
-              <a:t>Aaron Contributions</a:t>
-            </a:r>
+              <a:t>Contributions</a:t>
+            </a:r>
+          </a:p>
+        </p:txBody>
+      </p:sp>
+      <p:sp>
+        <p:nvSpPr>
+          <p:cNvPr id="6" name="Rectangle 5">
+            <a:extLst>
+              <a:ext uri="{FF2B5EF4-FFF2-40B4-BE49-F238E27FC236}">
+                <a16:creationId xmlns:a16="http://schemas.microsoft.com/office/drawing/2014/main" id="{39871314-F028-D4C9-DC5C-1FA9CE23E043}"/>
+              </a:ext>
+            </a:extLst>
+          </p:cNvPr>
+          <p:cNvSpPr/>
+          <p:nvPr/>
+        </p:nvSpPr>
+        <p:spPr>
+          <a:xfrm>
+            <a:off x="152402" y="2488734"/>
+            <a:ext cx="5779803" cy="4224329"/>
+          </a:xfrm>
+          <a:prstGeom prst="rect">
+            <a:avLst/>
+          </a:prstGeom>
+        </p:spPr>
+        <p:style>
+          <a:lnRef idx="2">
+            <a:schemeClr val="dk1">
+              <a:shade val="15000"/>
+            </a:schemeClr>
+          </a:lnRef>
+          <a:fillRef idx="1">
+            <a:schemeClr val="dk1"/>
+          </a:fillRef>
+          <a:effectRef idx="0">
+            <a:schemeClr val="dk1"/>
+          </a:effectRef>
+          <a:fontRef idx="minor">
+            <a:schemeClr val="lt1"/>
+          </a:fontRef>
+        </p:style>
+        <p:txBody>
+          <a:bodyPr rtlCol="0" anchor="ctr"/>
+          <a:lstStyle/>
+          <a:p>
+            <a:pPr algn="ctr"/>
+            <a:endParaRPr lang="en-US" dirty="0"/>
           </a:p>
         </p:txBody>
       </p:sp>
@@ -13370,177 +13735,847 @@
         </p:nvSpPr>
         <p:spPr>
           <a:xfrm>
-            <a:off x="680321" y="2336872"/>
-            <a:ext cx="9613861" cy="4336643"/>
+            <a:off x="185889" y="2550735"/>
+            <a:ext cx="2811311" cy="4162327"/>
           </a:xfrm>
         </p:spPr>
         <p:txBody>
           <a:bodyPr>
-            <a:normAutofit fontScale="25000" lnSpcReduction="20000"/>
+            <a:noAutofit/>
           </a:bodyPr>
           <a:lstStyle/>
           <a:p>
-            <a:r>
-              <a:rPr lang="en-US" dirty="0"/>
-              <a:t>Created the </a:t>
-            </a:r>
-            <a:r>
-              <a:rPr lang="en-US" dirty="0" err="1"/>
-              <a:t>Github</a:t>
-            </a:r>
+            <a:pPr>
+              <a:lnSpc>
+                <a:spcPct val="100000"/>
+              </a:lnSpc>
+              <a:spcBef>
+                <a:spcPts val="0"/>
+              </a:spcBef>
+            </a:pPr>
+            <a:r>
+              <a:rPr lang="en-US" sz="1300" dirty="0"/>
+              <a:t>Created the GitHub</a:t>
+            </a:r>
+          </a:p>
+          <a:p>
+            <a:pPr>
+              <a:lnSpc>
+                <a:spcPct val="100000"/>
+              </a:lnSpc>
+              <a:spcBef>
+                <a:spcPts val="0"/>
+              </a:spcBef>
+            </a:pPr>
+            <a:r>
+              <a:rPr lang="en-US" sz="1300" dirty="0"/>
+              <a:t>Cleaned and created 2 data sets</a:t>
+            </a:r>
+          </a:p>
+          <a:p>
+            <a:pPr>
+              <a:lnSpc>
+                <a:spcPct val="100000"/>
+              </a:lnSpc>
+              <a:spcBef>
+                <a:spcPts val="0"/>
+              </a:spcBef>
+            </a:pPr>
+            <a:r>
+              <a:rPr lang="en-US" sz="1300" dirty="0"/>
+              <a:t>Removed the outliers</a:t>
+            </a:r>
+          </a:p>
+          <a:p>
+            <a:pPr>
+              <a:lnSpc>
+                <a:spcPct val="100000"/>
+              </a:lnSpc>
+              <a:spcBef>
+                <a:spcPts val="0"/>
+              </a:spcBef>
+            </a:pPr>
+            <a:r>
+              <a:rPr lang="en-US" sz="1300" dirty="0"/>
+              <a:t>Got the 5 number summary for both datasets</a:t>
+            </a:r>
+          </a:p>
+          <a:p>
+            <a:pPr>
+              <a:lnSpc>
+                <a:spcPct val="100000"/>
+              </a:lnSpc>
+              <a:spcBef>
+                <a:spcPts val="0"/>
+              </a:spcBef>
+            </a:pPr>
+            <a:r>
+              <a:rPr lang="en-US" sz="1300" dirty="0"/>
+              <a:t>Got the error rate for the datasets</a:t>
+            </a:r>
+          </a:p>
+          <a:p>
+            <a:pPr>
+              <a:lnSpc>
+                <a:spcPct val="100000"/>
+              </a:lnSpc>
+              <a:spcBef>
+                <a:spcPts val="0"/>
+              </a:spcBef>
+            </a:pPr>
+            <a:r>
+              <a:rPr lang="en-US" sz="1300" dirty="0"/>
+              <a:t>Created the histogram for both data sets</a:t>
+            </a:r>
+          </a:p>
+          <a:p>
+            <a:pPr>
+              <a:lnSpc>
+                <a:spcPct val="100000"/>
+              </a:lnSpc>
+              <a:spcBef>
+                <a:spcPts val="0"/>
+              </a:spcBef>
+            </a:pPr>
+            <a:r>
+              <a:rPr lang="en-US" sz="1300" dirty="0"/>
+              <a:t>Qc the boxplots and bar graphs</a:t>
+            </a:r>
+          </a:p>
+          <a:p>
+            <a:pPr>
+              <a:lnSpc>
+                <a:spcPct val="100000"/>
+              </a:lnSpc>
+              <a:spcBef>
+                <a:spcPts val="0"/>
+              </a:spcBef>
+            </a:pPr>
+            <a:r>
+              <a:rPr lang="en-US" sz="1300" dirty="0"/>
+              <a:t>Created the ‘overall’ boxplots and bar graphs</a:t>
+            </a:r>
+          </a:p>
+          <a:p>
+            <a:pPr>
+              <a:lnSpc>
+                <a:spcPct val="100000"/>
+              </a:lnSpc>
+              <a:spcBef>
+                <a:spcPts val="0"/>
+              </a:spcBef>
+            </a:pPr>
+            <a:r>
+              <a:rPr lang="en-US" sz="1300" dirty="0"/>
+              <a:t>Qc the chi square</a:t>
+            </a:r>
+          </a:p>
+          <a:p>
+            <a:pPr>
+              <a:lnSpc>
+                <a:spcPct val="100000"/>
+              </a:lnSpc>
+              <a:spcBef>
+                <a:spcPts val="0"/>
+              </a:spcBef>
+            </a:pPr>
+            <a:r>
+              <a:rPr lang="en-US" sz="1300" dirty="0"/>
+              <a:t>Qc the z-score</a:t>
+            </a:r>
+          </a:p>
+          <a:p>
+            <a:pPr>
+              <a:lnSpc>
+                <a:spcPct val="100000"/>
+              </a:lnSpc>
+              <a:spcBef>
+                <a:spcPts val="0"/>
+              </a:spcBef>
+            </a:pPr>
+            <a:r>
+              <a:rPr lang="en-US" sz="1300" dirty="0"/>
+              <a:t>Created linear regression for gender</a:t>
+            </a:r>
+          </a:p>
+          <a:p>
+            <a:pPr>
+              <a:lnSpc>
+                <a:spcPct val="100000"/>
+              </a:lnSpc>
+              <a:spcBef>
+                <a:spcPts val="0"/>
+              </a:spcBef>
+            </a:pPr>
+            <a:r>
+              <a:rPr lang="en-US" sz="1300" dirty="0"/>
+              <a:t>Created linear regression for ethnicity</a:t>
+            </a:r>
+          </a:p>
+          <a:p>
+            <a:pPr>
+              <a:lnSpc>
+                <a:spcPct val="100000"/>
+              </a:lnSpc>
+              <a:spcBef>
+                <a:spcPts val="0"/>
+              </a:spcBef>
+            </a:pPr>
+            <a:r>
+              <a:rPr lang="en-US" sz="1300" dirty="0"/>
+              <a:t>Identified multicollinearity and Created </a:t>
+            </a:r>
+            <a:r>
+              <a:rPr lang="en-US" sz="1300" dirty="0" err="1"/>
+              <a:t>vif</a:t>
+            </a:r>
+            <a:r>
+              <a:rPr lang="en-US" sz="1300" dirty="0"/>
+              <a:t> process for fix</a:t>
+            </a:r>
+          </a:p>
+          <a:p>
+            <a:pPr>
+              <a:lnSpc>
+                <a:spcPct val="100000"/>
+              </a:lnSpc>
+              <a:spcBef>
+                <a:spcPts val="0"/>
+              </a:spcBef>
+            </a:pPr>
+            <a:endParaRPr lang="en-US" sz="1000" dirty="0"/>
+          </a:p>
+        </p:txBody>
+      </p:sp>
+      <p:sp>
+        <p:nvSpPr>
+          <p:cNvPr id="4" name="TextBox 3">
+            <a:extLst>
+              <a:ext uri="{FF2B5EF4-FFF2-40B4-BE49-F238E27FC236}">
+                <a16:creationId xmlns:a16="http://schemas.microsoft.com/office/drawing/2014/main" id="{1AD69390-6796-007F-5D2F-D12701B7A927}"/>
+              </a:ext>
+            </a:extLst>
+          </p:cNvPr>
+          <p:cNvSpPr txBox="1"/>
+          <p:nvPr/>
+        </p:nvSpPr>
+        <p:spPr>
+          <a:xfrm>
+            <a:off x="2997200" y="2554183"/>
+            <a:ext cx="2811312" cy="4093428"/>
+          </a:xfrm>
+          <a:prstGeom prst="rect">
+            <a:avLst/>
+          </a:prstGeom>
+          <a:noFill/>
+        </p:spPr>
+        <p:txBody>
+          <a:bodyPr wrap="square" rtlCol="0">
+            <a:spAutoFit/>
+          </a:bodyPr>
+          <a:lstStyle/>
+          <a:p>
+            <a:pPr marL="285750" indent="-285750">
+              <a:lnSpc>
+                <a:spcPct val="100000"/>
+              </a:lnSpc>
+              <a:spcBef>
+                <a:spcPts val="0"/>
+              </a:spcBef>
+              <a:buFont typeface="Arial" panose="020B0604020202020204" pitchFamily="34" charset="0"/>
+              <a:buChar char="•"/>
+            </a:pPr>
+            <a:r>
+              <a:rPr lang="en-US" sz="1300" dirty="0"/>
+              <a:t>Identified multicollinearity and Created </a:t>
+            </a:r>
+            <a:r>
+              <a:rPr lang="en-US" sz="1300" dirty="0" err="1"/>
+              <a:t>vif</a:t>
+            </a:r>
+            <a:r>
+              <a:rPr lang="en-US" sz="1300" dirty="0"/>
+              <a:t> process for fix</a:t>
+            </a:r>
+          </a:p>
+          <a:p>
+            <a:pPr marL="285750" indent="-285750">
+              <a:lnSpc>
+                <a:spcPct val="100000"/>
+              </a:lnSpc>
+              <a:spcBef>
+                <a:spcPts val="0"/>
+              </a:spcBef>
+              <a:buFont typeface="Arial" panose="020B0604020202020204" pitchFamily="34" charset="0"/>
+              <a:buChar char="•"/>
+            </a:pPr>
+            <a:r>
+              <a:rPr lang="en-US" sz="1300" dirty="0"/>
+              <a:t>Created the hot encoded process for multi categorical variables</a:t>
+            </a:r>
+          </a:p>
+          <a:p>
+            <a:pPr marL="285750" indent="-285750">
+              <a:lnSpc>
+                <a:spcPct val="100000"/>
+              </a:lnSpc>
+              <a:spcBef>
+                <a:spcPts val="0"/>
+              </a:spcBef>
+              <a:buFont typeface="Arial" panose="020B0604020202020204" pitchFamily="34" charset="0"/>
+              <a:buChar char="•"/>
+            </a:pPr>
+            <a:r>
+              <a:rPr lang="en-US" sz="1300" dirty="0"/>
+              <a:t>Created linear regression for states</a:t>
+            </a:r>
+          </a:p>
+          <a:p>
+            <a:pPr marL="285750" indent="-285750">
+              <a:lnSpc>
+                <a:spcPct val="100000"/>
+              </a:lnSpc>
+              <a:spcBef>
+                <a:spcPts val="0"/>
+              </a:spcBef>
+              <a:buFont typeface="Arial" panose="020B0604020202020204" pitchFamily="34" charset="0"/>
+              <a:buChar char="•"/>
+            </a:pPr>
+            <a:r>
+              <a:rPr lang="en-US" sz="1300" dirty="0"/>
+              <a:t>Pulled out the states of interest</a:t>
+            </a:r>
+          </a:p>
+          <a:p>
+            <a:pPr marL="285750" indent="-285750">
+              <a:lnSpc>
+                <a:spcPct val="100000"/>
+              </a:lnSpc>
+              <a:spcBef>
+                <a:spcPts val="0"/>
+              </a:spcBef>
+              <a:buFont typeface="Arial" panose="020B0604020202020204" pitchFamily="34" charset="0"/>
+              <a:buChar char="•"/>
+            </a:pPr>
+            <a:r>
+              <a:rPr lang="en-US" sz="1300" dirty="0"/>
+              <a:t>Created clustering models and process</a:t>
+            </a:r>
+          </a:p>
+          <a:p>
+            <a:pPr marL="285750" indent="-285750">
+              <a:lnSpc>
+                <a:spcPct val="100000"/>
+              </a:lnSpc>
+              <a:spcBef>
+                <a:spcPts val="0"/>
+              </a:spcBef>
+              <a:buFont typeface="Arial" panose="020B0604020202020204" pitchFamily="34" charset="0"/>
+              <a:buChar char="•"/>
+            </a:pPr>
+            <a:r>
+              <a:rPr lang="en-US" sz="1300" dirty="0"/>
+              <a:t>QC linear regression modeling </a:t>
+            </a:r>
+          </a:p>
+          <a:p>
+            <a:pPr marL="285750" indent="-285750">
+              <a:lnSpc>
+                <a:spcPct val="100000"/>
+              </a:lnSpc>
+              <a:spcBef>
+                <a:spcPts val="0"/>
+              </a:spcBef>
+              <a:buFont typeface="Arial" panose="020B0604020202020204" pitchFamily="34" charset="0"/>
+              <a:buChar char="•"/>
+            </a:pPr>
+            <a:r>
+              <a:rPr lang="en-US" sz="1300" dirty="0"/>
+              <a:t>Pulled out the linear regression models to identify the anomalies for states</a:t>
+            </a:r>
+          </a:p>
+          <a:p>
+            <a:pPr marL="285750" indent="-285750">
+              <a:lnSpc>
+                <a:spcPct val="100000"/>
+              </a:lnSpc>
+              <a:spcBef>
+                <a:spcPts val="0"/>
+              </a:spcBef>
+              <a:buFont typeface="Arial" panose="020B0604020202020204" pitchFamily="34" charset="0"/>
+              <a:buChar char="•"/>
+            </a:pPr>
+            <a:r>
+              <a:rPr lang="en-US" sz="1300" dirty="0"/>
+              <a:t>Wrote the technical report</a:t>
+            </a:r>
+          </a:p>
+          <a:p>
+            <a:pPr marL="285750" indent="-285750">
+              <a:lnSpc>
+                <a:spcPct val="100000"/>
+              </a:lnSpc>
+              <a:spcBef>
+                <a:spcPts val="0"/>
+              </a:spcBef>
+              <a:buFont typeface="Arial" panose="020B0604020202020204" pitchFamily="34" charset="0"/>
+              <a:buChar char="•"/>
+            </a:pPr>
+            <a:r>
+              <a:rPr lang="en-US" sz="1300" dirty="0"/>
+              <a:t>Found references for the introduction statistics for the report</a:t>
+            </a:r>
+          </a:p>
+          <a:p>
+            <a:pPr marL="285750" indent="-285750">
+              <a:lnSpc>
+                <a:spcPct val="100000"/>
+              </a:lnSpc>
+              <a:spcBef>
+                <a:spcPts val="0"/>
+              </a:spcBef>
+              <a:buFont typeface="Arial" panose="020B0604020202020204" pitchFamily="34" charset="0"/>
+              <a:buChar char="•"/>
+            </a:pPr>
+            <a:r>
+              <a:rPr lang="en-US" sz="1300" dirty="0"/>
+              <a:t>QC the presentation </a:t>
+            </a:r>
+          </a:p>
+        </p:txBody>
+      </p:sp>
+      <p:sp>
+        <p:nvSpPr>
+          <p:cNvPr id="5" name="TextBox 4">
+            <a:extLst>
+              <a:ext uri="{FF2B5EF4-FFF2-40B4-BE49-F238E27FC236}">
+                <a16:creationId xmlns:a16="http://schemas.microsoft.com/office/drawing/2014/main" id="{2184A56D-3D42-CCBE-FBE2-7D4147240ECD}"/>
+              </a:ext>
+            </a:extLst>
+          </p:cNvPr>
+          <p:cNvSpPr txBox="1"/>
+          <p:nvPr/>
+        </p:nvSpPr>
+        <p:spPr>
+          <a:xfrm>
+            <a:off x="451284" y="2119402"/>
+            <a:ext cx="5148979" cy="369332"/>
+          </a:xfrm>
+          <a:prstGeom prst="rect">
+            <a:avLst/>
+          </a:prstGeom>
+          <a:noFill/>
+        </p:spPr>
+        <p:txBody>
+          <a:bodyPr wrap="square" rtlCol="0">
+            <a:spAutoFit/>
+          </a:bodyPr>
+          <a:lstStyle/>
+          <a:p>
+            <a:pPr algn="ctr"/>
+            <a:r>
+              <a:rPr lang="en-US" b="1" dirty="0"/>
+              <a:t>Aaron Ramirez</a:t>
+            </a:r>
+          </a:p>
+        </p:txBody>
+      </p:sp>
+      <p:sp>
+        <p:nvSpPr>
+          <p:cNvPr id="10" name="Rectangle 9">
+            <a:extLst>
+              <a:ext uri="{FF2B5EF4-FFF2-40B4-BE49-F238E27FC236}">
+                <a16:creationId xmlns:a16="http://schemas.microsoft.com/office/drawing/2014/main" id="{65385520-DAC6-2501-80C6-627DABA785E1}"/>
+              </a:ext>
+            </a:extLst>
+          </p:cNvPr>
+          <p:cNvSpPr/>
+          <p:nvPr/>
+        </p:nvSpPr>
+        <p:spPr>
+          <a:xfrm>
+            <a:off x="6136105" y="2488733"/>
+            <a:ext cx="5779803" cy="4224329"/>
+          </a:xfrm>
+          <a:prstGeom prst="rect">
+            <a:avLst/>
+          </a:prstGeom>
+        </p:spPr>
+        <p:style>
+          <a:lnRef idx="2">
+            <a:schemeClr val="dk1">
+              <a:shade val="15000"/>
+            </a:schemeClr>
+          </a:lnRef>
+          <a:fillRef idx="1">
+            <a:schemeClr val="dk1"/>
+          </a:fillRef>
+          <a:effectRef idx="0">
+            <a:schemeClr val="dk1"/>
+          </a:effectRef>
+          <a:fontRef idx="minor">
+            <a:schemeClr val="lt1"/>
+          </a:fontRef>
+        </p:style>
+        <p:txBody>
+          <a:bodyPr rtlCol="0" anchor="ctr"/>
+          <a:lstStyle/>
+          <a:p>
+            <a:pPr algn="ctr"/>
             <a:endParaRPr lang="en-US" dirty="0"/>
           </a:p>
-          <a:p>
-            <a:r>
-              <a:rPr lang="en-US" dirty="0"/>
-              <a:t>Cleaned and created 2 data sets</a:t>
-            </a:r>
-          </a:p>
-          <a:p>
-            <a:r>
-              <a:rPr lang="en-US" dirty="0"/>
-              <a:t>Removed the outliers</a:t>
-            </a:r>
-          </a:p>
-          <a:p>
-            <a:r>
-              <a:rPr lang="en-US" dirty="0"/>
-              <a:t>Got the 5 number summary for both datasets</a:t>
-            </a:r>
-          </a:p>
-          <a:p>
-            <a:r>
-              <a:rPr lang="en-US" dirty="0"/>
-              <a:t>Got the error rate for the datasets</a:t>
-            </a:r>
-          </a:p>
-          <a:p>
-            <a:r>
-              <a:rPr lang="en-US" dirty="0"/>
-              <a:t>Created the histogram for both data sets</a:t>
-            </a:r>
-          </a:p>
-          <a:p>
-            <a:r>
-              <a:rPr lang="en-US" dirty="0"/>
-              <a:t>Qc the boxplots and </a:t>
-            </a:r>
-            <a:r>
-              <a:rPr lang="en-US" dirty="0" err="1"/>
-              <a:t>bargraphs</a:t>
-            </a:r>
-            <a:endParaRPr lang="en-US" dirty="0"/>
-          </a:p>
-          <a:p>
-            <a:r>
-              <a:rPr lang="en-US" dirty="0"/>
-              <a:t>Created the overall boxplots and </a:t>
-            </a:r>
-            <a:r>
-              <a:rPr lang="en-US" dirty="0" err="1"/>
-              <a:t>bargraphs</a:t>
-            </a:r>
-            <a:endParaRPr lang="en-US" dirty="0"/>
-          </a:p>
-          <a:p>
-            <a:r>
-              <a:rPr lang="en-US" dirty="0"/>
-              <a:t>Qc the chi square</a:t>
-            </a:r>
-          </a:p>
-          <a:p>
-            <a:r>
-              <a:rPr lang="en-US" dirty="0"/>
-              <a:t>Qc the </a:t>
-            </a:r>
-            <a:r>
-              <a:rPr lang="en-US" dirty="0" err="1"/>
-              <a:t>zscore</a:t>
-            </a:r>
-            <a:endParaRPr lang="en-US" dirty="0"/>
-          </a:p>
-          <a:p>
-            <a:r>
-              <a:rPr lang="en-US" dirty="0"/>
-              <a:t>Created linear regression for gender</a:t>
-            </a:r>
-          </a:p>
-          <a:p>
-            <a:r>
-              <a:rPr lang="en-US" dirty="0"/>
-              <a:t>Created linear regression for ethnicity</a:t>
-            </a:r>
-          </a:p>
-          <a:p>
-            <a:r>
-              <a:rPr lang="en-US" dirty="0"/>
-              <a:t>Identified multicollinearity and Created </a:t>
-            </a:r>
-            <a:r>
-              <a:rPr lang="en-US" dirty="0" err="1"/>
-              <a:t>vif</a:t>
-            </a:r>
-            <a:r>
-              <a:rPr lang="en-US" dirty="0"/>
-              <a:t> process for fix</a:t>
-            </a:r>
-          </a:p>
-          <a:p>
-            <a:r>
-              <a:rPr lang="en-US" dirty="0"/>
-              <a:t>Created the hot encoded process for multi categorical variables</a:t>
-            </a:r>
-          </a:p>
-          <a:p>
-            <a:r>
-              <a:rPr lang="en-US" dirty="0"/>
-              <a:t>Created linear regression for states</a:t>
-            </a:r>
-          </a:p>
-          <a:p>
-            <a:r>
-              <a:rPr lang="en-US" dirty="0"/>
-              <a:t>Pulled out the states of interest</a:t>
-            </a:r>
-          </a:p>
-          <a:p>
-            <a:r>
-              <a:rPr lang="en-US" dirty="0"/>
-              <a:t>Created clustering models and process</a:t>
-            </a:r>
-          </a:p>
-          <a:p>
-            <a:r>
-              <a:rPr lang="en-US" dirty="0"/>
-              <a:t>QC linear regression modeling </a:t>
-            </a:r>
-          </a:p>
-          <a:p>
-            <a:r>
-              <a:rPr lang="en-US" dirty="0"/>
-              <a:t>Pulled out the linear regression models to identify the anomalies for states</a:t>
-            </a:r>
-          </a:p>
-          <a:p>
-            <a:r>
-              <a:rPr lang="en-US" dirty="0"/>
-              <a:t>Wrote the technical report</a:t>
-            </a:r>
-          </a:p>
-          <a:p>
-            <a:r>
-              <a:rPr lang="en-US" dirty="0"/>
-              <a:t>Found references for the introduction statistics for the report</a:t>
-            </a:r>
-          </a:p>
-          <a:p>
-            <a:r>
-              <a:rPr lang="en-US" dirty="0"/>
-              <a:t>QC the presentation </a:t>
-            </a:r>
-          </a:p>
-          <a:p>
-            <a:endParaRPr lang="en-US" dirty="0"/>
+        </p:txBody>
+      </p:sp>
+      <p:sp>
+        <p:nvSpPr>
+          <p:cNvPr id="11" name="TextBox 10">
+            <a:extLst>
+              <a:ext uri="{FF2B5EF4-FFF2-40B4-BE49-F238E27FC236}">
+                <a16:creationId xmlns:a16="http://schemas.microsoft.com/office/drawing/2014/main" id="{76CBA342-BCFE-4A2F-85D3-90CDE9EE116A}"/>
+              </a:ext>
+            </a:extLst>
+          </p:cNvPr>
+          <p:cNvSpPr txBox="1"/>
+          <p:nvPr/>
+        </p:nvSpPr>
+        <p:spPr>
+          <a:xfrm>
+            <a:off x="6451516" y="2119402"/>
+            <a:ext cx="5148979" cy="369332"/>
+          </a:xfrm>
+          <a:prstGeom prst="rect">
+            <a:avLst/>
+          </a:prstGeom>
+          <a:noFill/>
+        </p:spPr>
+        <p:txBody>
+          <a:bodyPr wrap="square" rtlCol="0">
+            <a:spAutoFit/>
+          </a:bodyPr>
+          <a:lstStyle/>
+          <a:p>
+            <a:pPr algn="ctr"/>
+            <a:r>
+              <a:rPr lang="en-US" b="1" dirty="0"/>
+              <a:t>Outhai Xayavongsa</a:t>
+            </a:r>
+          </a:p>
+        </p:txBody>
+      </p:sp>
+      <p:sp>
+        <p:nvSpPr>
+          <p:cNvPr id="15" name="TextBox 14">
+            <a:extLst>
+              <a:ext uri="{FF2B5EF4-FFF2-40B4-BE49-F238E27FC236}">
+                <a16:creationId xmlns:a16="http://schemas.microsoft.com/office/drawing/2014/main" id="{6AAF3267-7DAD-62C1-5567-DF384A589647}"/>
+              </a:ext>
+            </a:extLst>
+          </p:cNvPr>
+          <p:cNvSpPr txBox="1"/>
+          <p:nvPr/>
+        </p:nvSpPr>
+        <p:spPr>
+          <a:xfrm>
+            <a:off x="6288046" y="2554184"/>
+            <a:ext cx="2709711" cy="3693319"/>
+          </a:xfrm>
+          <a:prstGeom prst="rect">
+            <a:avLst/>
+          </a:prstGeom>
+          <a:noFill/>
+        </p:spPr>
+        <p:txBody>
+          <a:bodyPr wrap="square" rtlCol="0">
+            <a:spAutoFit/>
+          </a:bodyPr>
+          <a:lstStyle/>
+          <a:p>
+            <a:pPr marL="285750" indent="-285750">
+              <a:buFont typeface="Arial" panose="020B0604020202020204" pitchFamily="34" charset="0"/>
+              <a:buChar char="•"/>
+            </a:pPr>
+            <a:r>
+              <a:rPr lang="en-US" sz="1300" dirty="0"/>
+              <a:t>Researched Datasets</a:t>
+            </a:r>
+          </a:p>
+          <a:p>
+            <a:pPr marL="285750" indent="-285750">
+              <a:buFont typeface="Arial" panose="020B0604020202020204" pitchFamily="34" charset="0"/>
+              <a:buChar char="•"/>
+            </a:pPr>
+            <a:r>
+              <a:rPr lang="en-US" sz="1300" dirty="0"/>
+              <a:t>Initiated &amp; Scheduled Meetups</a:t>
+            </a:r>
+          </a:p>
+          <a:p>
+            <a:pPr marL="285750" indent="-285750">
+              <a:buFont typeface="Arial" panose="020B0604020202020204" pitchFamily="34" charset="0"/>
+              <a:buChar char="•"/>
+            </a:pPr>
+            <a:r>
+              <a:rPr lang="en-US" sz="1300" dirty="0"/>
+              <a:t>Cleaned data set</a:t>
+            </a:r>
+          </a:p>
+          <a:p>
+            <a:pPr marL="285750" indent="-285750">
+              <a:buFont typeface="Arial" panose="020B0604020202020204" pitchFamily="34" charset="0"/>
+              <a:buChar char="•"/>
+            </a:pPr>
+            <a:r>
+              <a:rPr lang="en-US" sz="1300" dirty="0"/>
+              <a:t>Completed the Team Project Status Update Form</a:t>
+            </a:r>
+          </a:p>
+          <a:p>
+            <a:pPr marL="285750" indent="-285750">
+              <a:buFont typeface="Arial" panose="020B0604020202020204" pitchFamily="34" charset="0"/>
+              <a:buChar char="•"/>
+            </a:pPr>
+            <a:r>
+              <a:rPr lang="en-US" sz="1300" dirty="0"/>
+              <a:t>QC the Technical Report</a:t>
+            </a:r>
+          </a:p>
+          <a:p>
+            <a:pPr marL="285750" indent="-285750">
+              <a:buFont typeface="Arial" panose="020B0604020202020204" pitchFamily="34" charset="0"/>
+              <a:buChar char="•"/>
+            </a:pPr>
+            <a:r>
+              <a:rPr lang="en-US" sz="1300" dirty="0"/>
+              <a:t>Added to and reformatted the Intro, Conclusion</a:t>
+            </a:r>
+          </a:p>
+          <a:p>
+            <a:pPr marL="285750" indent="-285750">
+              <a:buFont typeface="Arial" panose="020B0604020202020204" pitchFamily="34" charset="0"/>
+              <a:buChar char="•"/>
+            </a:pPr>
+            <a:r>
+              <a:rPr lang="en-US" sz="1300" dirty="0"/>
+              <a:t>Added References in APA to the Tech Report</a:t>
+            </a:r>
+          </a:p>
+          <a:p>
+            <a:pPr marL="285750" indent="-285750">
+              <a:buFont typeface="Arial" panose="020B0604020202020204" pitchFamily="34" charset="0"/>
+              <a:buChar char="•"/>
+            </a:pPr>
+            <a:r>
+              <a:rPr lang="en-US" sz="1300" dirty="0"/>
+              <a:t>PowerPoint Citations</a:t>
+            </a:r>
+          </a:p>
+          <a:p>
+            <a:pPr marL="285750" indent="-285750">
+              <a:buFont typeface="Arial" panose="020B0604020202020204" pitchFamily="34" charset="0"/>
+              <a:buChar char="•"/>
+            </a:pPr>
+            <a:r>
+              <a:rPr lang="en-US" sz="1300" dirty="0"/>
+              <a:t>Completed the full APA format for the Tech Report</a:t>
+            </a:r>
+          </a:p>
+          <a:p>
+            <a:pPr marL="285750" indent="-285750">
+              <a:buFont typeface="Arial" panose="020B0604020202020204" pitchFamily="34" charset="0"/>
+              <a:buChar char="•"/>
+            </a:pPr>
+            <a:r>
+              <a:rPr lang="en-US" sz="1300" dirty="0"/>
+              <a:t>Created the PowerPoints</a:t>
+            </a:r>
+          </a:p>
+          <a:p>
+            <a:pPr marL="285750" indent="-285750">
+              <a:buFont typeface="Arial" panose="020B0604020202020204" pitchFamily="34" charset="0"/>
+              <a:buChar char="•"/>
+            </a:pPr>
+            <a:r>
+              <a:rPr lang="en-US" sz="1300" dirty="0"/>
+              <a:t>Wrote the Scripts for the PowerPoint</a:t>
+            </a:r>
+          </a:p>
+          <a:p>
+            <a:pPr marL="285750" indent="-285750">
+              <a:buFont typeface="Arial" panose="020B0604020202020204" pitchFamily="34" charset="0"/>
+              <a:buChar char="•"/>
+            </a:pPr>
+            <a:endParaRPr lang="en-US" sz="1300" dirty="0"/>
+          </a:p>
+        </p:txBody>
+      </p:sp>
+      <p:sp>
+        <p:nvSpPr>
+          <p:cNvPr id="16" name="TextBox 15">
+            <a:extLst>
+              <a:ext uri="{FF2B5EF4-FFF2-40B4-BE49-F238E27FC236}">
+                <a16:creationId xmlns:a16="http://schemas.microsoft.com/office/drawing/2014/main" id="{AA5EED06-35CB-746F-A842-111E2DA7E240}"/>
+              </a:ext>
+            </a:extLst>
+          </p:cNvPr>
+          <p:cNvSpPr txBox="1"/>
+          <p:nvPr/>
+        </p:nvSpPr>
+        <p:spPr>
+          <a:xfrm>
+            <a:off x="9101977" y="2554184"/>
+            <a:ext cx="2813931" cy="4293483"/>
+          </a:xfrm>
+          <a:prstGeom prst="rect">
+            <a:avLst/>
+          </a:prstGeom>
+          <a:noFill/>
+        </p:spPr>
+        <p:txBody>
+          <a:bodyPr wrap="square" rtlCol="0">
+            <a:spAutoFit/>
+          </a:bodyPr>
+          <a:lstStyle/>
+          <a:p>
+            <a:pPr marL="285750" indent="-285750">
+              <a:buFont typeface="Arial" panose="020B0604020202020204" pitchFamily="34" charset="0"/>
+              <a:buChar char="•"/>
+            </a:pPr>
+            <a:r>
+              <a:rPr lang="en-US" sz="1300" dirty="0"/>
+              <a:t>Completed the Exploratory Data Analysis and Model Analysis</a:t>
+            </a:r>
+          </a:p>
+          <a:p>
+            <a:pPr marL="742950" lvl="1" indent="-285750">
+              <a:buFont typeface="Arial" panose="020B0604020202020204" pitchFamily="34" charset="0"/>
+              <a:buChar char="•"/>
+            </a:pPr>
+            <a:r>
+              <a:rPr lang="en-US" sz="1300" dirty="0"/>
+              <a:t>Bar plots for all except ‘Overall’</a:t>
+            </a:r>
+          </a:p>
+          <a:p>
+            <a:pPr marL="742950" lvl="1" indent="-285750">
+              <a:buFont typeface="Arial" panose="020B0604020202020204" pitchFamily="34" charset="0"/>
+              <a:buChar char="•"/>
+            </a:pPr>
+            <a:r>
+              <a:rPr lang="en-US" sz="1300" dirty="0"/>
+              <a:t>Chi-Square</a:t>
+            </a:r>
+          </a:p>
+          <a:p>
+            <a:pPr marL="742950" lvl="1" indent="-285750">
+              <a:buFont typeface="Arial" panose="020B0604020202020204" pitchFamily="34" charset="0"/>
+              <a:buChar char="•"/>
+            </a:pPr>
+            <a:r>
+              <a:rPr lang="en-US" sz="1300" dirty="0"/>
+              <a:t>Z-test for all</a:t>
+            </a:r>
+          </a:p>
+          <a:p>
+            <a:pPr marL="742950" lvl="1" indent="-285750">
+              <a:buFont typeface="Arial" panose="020B0604020202020204" pitchFamily="34" charset="0"/>
+              <a:buChar char="•"/>
+            </a:pPr>
+            <a:r>
+              <a:rPr lang="en-US" sz="1300" dirty="0"/>
+              <a:t>Linear Regression Models for Gender &amp; Location</a:t>
+            </a:r>
+          </a:p>
+          <a:p>
+            <a:pPr marL="742950" lvl="1" indent="-285750">
+              <a:buFont typeface="Arial" panose="020B0604020202020204" pitchFamily="34" charset="0"/>
+              <a:buChar char="•"/>
+            </a:pPr>
+            <a:r>
+              <a:rPr lang="en-US" sz="1300" dirty="0"/>
+              <a:t>Box Plots</a:t>
+            </a:r>
+          </a:p>
+          <a:p>
+            <a:pPr marL="285750" lvl="1" indent="-285750">
+              <a:buFont typeface="Arial" panose="020B0604020202020204" pitchFamily="34" charset="0"/>
+              <a:buChar char="•"/>
+            </a:pPr>
+            <a:r>
+              <a:rPr lang="en-US" sz="1300" dirty="0"/>
+              <a:t>Reviewed Aarons added visuals:</a:t>
+            </a:r>
+          </a:p>
+          <a:p>
+            <a:pPr marL="742950" lvl="2" indent="-285750">
+              <a:buFont typeface="Arial" panose="020B0604020202020204" pitchFamily="34" charset="0"/>
+              <a:buChar char="•"/>
+            </a:pPr>
+            <a:r>
+              <a:rPr lang="en-US" sz="1300" dirty="0"/>
+              <a:t>Cluster model</a:t>
+            </a:r>
+          </a:p>
+          <a:p>
+            <a:pPr marL="742950" lvl="2" indent="-285750">
+              <a:buFont typeface="Arial" panose="020B0604020202020204" pitchFamily="34" charset="0"/>
+              <a:buChar char="•"/>
+            </a:pPr>
+            <a:r>
+              <a:rPr lang="en-US" sz="1300" dirty="0"/>
+              <a:t>Linear Regression for the states</a:t>
+            </a:r>
+          </a:p>
+          <a:p>
+            <a:pPr marL="742950" lvl="2" indent="-285750">
+              <a:buFont typeface="Arial" panose="020B0604020202020204" pitchFamily="34" charset="0"/>
+              <a:buChar char="•"/>
+            </a:pPr>
+            <a:r>
+              <a:rPr lang="en-US" sz="1300" dirty="0"/>
+              <a:t>Linear regression for ethnicity</a:t>
+            </a:r>
+          </a:p>
+          <a:p>
+            <a:pPr marL="742950" lvl="2" indent="-285750">
+              <a:buFont typeface="Arial" panose="020B0604020202020204" pitchFamily="34" charset="0"/>
+              <a:buChar char="•"/>
+            </a:pPr>
+            <a:r>
+              <a:rPr lang="en-US" sz="1300" dirty="0"/>
+              <a:t>‘Overall’ Box Plot</a:t>
+            </a:r>
+          </a:p>
+          <a:p>
+            <a:pPr marL="285750" lvl="1" indent="-285750">
+              <a:buFont typeface="Arial" panose="020B0604020202020204" pitchFamily="34" charset="0"/>
+              <a:buChar char="•"/>
+            </a:pPr>
+            <a:r>
+              <a:rPr lang="en-US" sz="1300" dirty="0"/>
+              <a:t>Submit all deliverables</a:t>
+            </a:r>
+          </a:p>
+          <a:p>
+            <a:pPr marL="285750" lvl="1" indent="-285750">
+              <a:buFont typeface="Arial" panose="020B0604020202020204" pitchFamily="34" charset="0"/>
+              <a:buChar char="•"/>
+            </a:pPr>
+            <a:r>
+              <a:rPr lang="en-US" sz="1300" dirty="0"/>
+              <a:t>Presentation on 1</a:t>
+            </a:r>
+            <a:r>
+              <a:rPr lang="en-US" sz="1300" baseline="30000" dirty="0"/>
+              <a:t>st</a:t>
+            </a:r>
+            <a:r>
+              <a:rPr lang="en-US" sz="1300" dirty="0"/>
+              <a:t> half of the PowerPoints</a:t>
+            </a:r>
+          </a:p>
+          <a:p>
+            <a:pPr lvl="1"/>
+            <a:endParaRPr lang="en-US" sz="1300" dirty="0"/>
           </a:p>
         </p:txBody>
       </p:sp>
@@ -13548,6 +14583,435 @@
     <p:extLst>
       <p:ext uri="{BB962C8B-B14F-4D97-AF65-F5344CB8AC3E}">
         <p14:creationId xmlns:p14="http://schemas.microsoft.com/office/powerpoint/2010/main" val="2807895562"/>
+      </p:ext>
+    </p:extLst>
+  </p:cSld>
+  <p:clrMapOvr>
+    <a:masterClrMapping/>
+  </p:clrMapOvr>
+</p:sld>
+</file>
+
+<file path=ppt/slides/slide15.xml><?xml version="1.0" encoding="utf-8"?>
+<p:sld xmlns:a="http://schemas.openxmlformats.org/drawingml/2006/main" xmlns:r="http://schemas.openxmlformats.org/officeDocument/2006/relationships" xmlns:p="http://schemas.openxmlformats.org/presentationml/2006/main">
+  <p:cSld>
+    <p:bg>
+      <p:bgPr>
+        <a:gradFill rotWithShape="1">
+          <a:gsLst>
+            <a:gs pos="0">
+              <a:schemeClr val="bg2">
+                <a:tint val="96000"/>
+                <a:shade val="100000"/>
+                <a:hueMod val="270000"/>
+                <a:satMod val="200000"/>
+                <a:lumMod val="128000"/>
+              </a:schemeClr>
+            </a:gs>
+            <a:gs pos="34000">
+              <a:schemeClr val="bg2">
+                <a:shade val="100000"/>
+                <a:hueMod val="100000"/>
+                <a:satMod val="110000"/>
+                <a:lumMod val="130000"/>
+              </a:schemeClr>
+            </a:gs>
+            <a:gs pos="100000">
+              <a:schemeClr val="bg2">
+                <a:shade val="78000"/>
+                <a:hueMod val="44000"/>
+                <a:satMod val="200000"/>
+                <a:lumMod val="69000"/>
+              </a:schemeClr>
+            </a:gs>
+          </a:gsLst>
+          <a:lin ang="2520000" scaled="0"/>
+        </a:gradFill>
+        <a:effectLst/>
+      </p:bgPr>
+    </p:bg>
+    <p:spTree>
+      <p:nvGrpSpPr>
+        <p:cNvPr id="1" name=""/>
+        <p:cNvGrpSpPr/>
+        <p:nvPr/>
+      </p:nvGrpSpPr>
+      <p:grpSpPr>
+        <a:xfrm>
+          <a:off x="0" y="0"/>
+          <a:ext cx="0" cy="0"/>
+          <a:chOff x="0" y="0"/>
+          <a:chExt cx="0" cy="0"/>
+        </a:xfrm>
+      </p:grpSpPr>
+      <p:sp>
+        <p:nvSpPr>
+          <p:cNvPr id="2" name="Title 1">
+            <a:extLst>
+              <a:ext uri="{FF2B5EF4-FFF2-40B4-BE49-F238E27FC236}">
+                <a16:creationId xmlns:a16="http://schemas.microsoft.com/office/drawing/2014/main" id="{016C9CAB-FA48-D1CE-630D-30F6C02A2C70}"/>
+              </a:ext>
+            </a:extLst>
+          </p:cNvPr>
+          <p:cNvSpPr>
+            <a:spLocks noGrp="1"/>
+          </p:cNvSpPr>
+          <p:nvPr>
+            <p:ph type="title"/>
+          </p:nvPr>
+        </p:nvSpPr>
+        <p:spPr>
+          <a:xfrm>
+            <a:off x="680321" y="753228"/>
+            <a:ext cx="9613861" cy="1080938"/>
+          </a:xfrm>
+        </p:spPr>
+        <p:txBody>
+          <a:bodyPr/>
+          <a:lstStyle/>
+          <a:p>
+            <a:r>
+              <a:rPr lang="en-US"/>
+              <a:t>References</a:t>
+            </a:r>
+            <a:endParaRPr lang="en-US" dirty="0"/>
+          </a:p>
+        </p:txBody>
+      </p:sp>
+      <p:sp>
+        <p:nvSpPr>
+          <p:cNvPr id="3" name="Content Placeholder 2">
+            <a:extLst>
+              <a:ext uri="{FF2B5EF4-FFF2-40B4-BE49-F238E27FC236}">
+                <a16:creationId xmlns:a16="http://schemas.microsoft.com/office/drawing/2014/main" id="{F21213AD-BB71-2BC5-EB90-9D8697EF44DD}"/>
+              </a:ext>
+            </a:extLst>
+          </p:cNvPr>
+          <p:cNvSpPr>
+            <a:spLocks noGrp="1"/>
+          </p:cNvSpPr>
+          <p:nvPr>
+            <p:ph idx="1"/>
+          </p:nvPr>
+        </p:nvSpPr>
+        <p:spPr>
+          <a:xfrm>
+            <a:off x="680321" y="2336872"/>
+            <a:ext cx="10106499" cy="4172415"/>
+          </a:xfrm>
+        </p:spPr>
+        <p:txBody>
+          <a:bodyPr>
+            <a:normAutofit/>
+          </a:bodyPr>
+          <a:lstStyle/>
+          <a:p>
+            <a:r>
+              <a:rPr lang="en-US" sz="1400" dirty="0" err="1">
+                <a:latin typeface="+mj-lt"/>
+              </a:rPr>
+              <a:t>Delzo</a:t>
+            </a:r>
+            <a:r>
+              <a:rPr lang="en-US" sz="1400" dirty="0">
+                <a:latin typeface="+mj-lt"/>
+              </a:rPr>
+              <a:t>, J. (2017). </a:t>
+            </a:r>
+            <a:r>
+              <a:rPr lang="en-US" sz="1400" i="1" dirty="0">
+                <a:latin typeface="+mj-lt"/>
+              </a:rPr>
+              <a:t>Heart Disease Death Rates Vary Widely Across the US, Map Reveals</a:t>
+            </a:r>
+            <a:r>
+              <a:rPr lang="en-US" sz="1400" dirty="0">
+                <a:latin typeface="+mj-lt"/>
+              </a:rPr>
+              <a:t> [Photograph]. Medical Daily. </a:t>
+            </a:r>
+            <a:r>
+              <a:rPr lang="en-US" sz="1400" dirty="0">
+                <a:solidFill>
+                  <a:schemeClr val="accent1"/>
+                </a:solidFill>
+                <a:latin typeface="+mj-lt"/>
+                <a:hlinkClick r:id="rId3">
+                  <a:extLst>
+                    <a:ext uri="{A12FA001-AC4F-418D-AE19-62706E023703}">
+                      <ahyp:hlinkClr xmlns:ahyp="http://schemas.microsoft.com/office/drawing/2018/hyperlinkcolor" val="tx"/>
+                    </a:ext>
+                  </a:extLst>
+                </a:hlinkClick>
+              </a:rPr>
+              <a:t>https://www.medicaldaily.com/cardiovascular-disease-ischemic-heart-disease-cerebrovascular-disease-stroke-417509</a:t>
+            </a:r>
+            <a:endParaRPr lang="en-US" sz="1400" dirty="0">
+              <a:solidFill>
+                <a:schemeClr val="accent1"/>
+              </a:solidFill>
+              <a:latin typeface="+mj-lt"/>
+            </a:endParaRPr>
+          </a:p>
+          <a:p>
+            <a:r>
+              <a:rPr lang="en-US" sz="1400" dirty="0">
+                <a:latin typeface="+mj-lt"/>
+              </a:rPr>
+              <a:t>Jhalani, N., MD (2022, February 28). </a:t>
+            </a:r>
+            <a:r>
+              <a:rPr lang="en-US" sz="1400" i="1" dirty="0">
+                <a:latin typeface="+mj-lt"/>
+              </a:rPr>
+              <a:t>Heart Disease in Women is Not Like Heart Disease in Men</a:t>
+            </a:r>
+            <a:r>
+              <a:rPr lang="en-US" sz="1400" dirty="0">
+                <a:latin typeface="+mj-lt"/>
+              </a:rPr>
+              <a:t>. Columbia University Irving Medical Center. Retrieved February 24, 2024, from </a:t>
+            </a:r>
+            <a:r>
+              <a:rPr lang="en-US" sz="1400" dirty="0">
+                <a:solidFill>
+                  <a:schemeClr val="accent1"/>
+                </a:solidFill>
+                <a:latin typeface="+mj-lt"/>
+                <a:hlinkClick r:id="rId4">
+                  <a:extLst>
+                    <a:ext uri="{A12FA001-AC4F-418D-AE19-62706E023703}">
+                      <ahyp:hlinkClr xmlns:ahyp="http://schemas.microsoft.com/office/drawing/2018/hyperlinkcolor" val="tx"/>
+                    </a:ext>
+                  </a:extLst>
+                </a:hlinkClick>
+              </a:rPr>
+              <a:t>https://www.columbiadoctors.org/news/heart-disease-women-not-heart-disease-men#:~:text=Commonly%20known%20as%20heart%20disease%2C%20cardiovascular%20disease,for%20people%20with%20autoimmune%20diseases%20and%20pregnancy%2D</a:t>
+            </a:r>
+            <a:endParaRPr lang="en-US" sz="1400" dirty="0">
+              <a:solidFill>
+                <a:schemeClr val="accent1"/>
+              </a:solidFill>
+              <a:latin typeface="+mj-lt"/>
+            </a:endParaRPr>
+          </a:p>
+          <a:p>
+            <a:r>
+              <a:rPr lang="en-US" sz="1400" dirty="0" err="1">
+                <a:latin typeface="+mj-lt"/>
+              </a:rPr>
+              <a:t>Kreatsoulas</a:t>
+            </a:r>
+            <a:r>
+              <a:rPr lang="en-US" sz="1400" dirty="0">
+                <a:latin typeface="+mj-lt"/>
+              </a:rPr>
+              <a:t>, C., MSc, &amp; Anand, S. S., MD PhD (2010). The impact of social determinants on cardiovascular disease. National Library of Medicine, 26(Suppl C), 8C-13C. </a:t>
+            </a:r>
+            <a:r>
+              <a:rPr lang="en-US" sz="1400" dirty="0">
+                <a:solidFill>
+                  <a:schemeClr val="accent1"/>
+                </a:solidFill>
+                <a:latin typeface="+mj-lt"/>
+                <a:hlinkClick r:id="rId5">
+                  <a:extLst>
+                    <a:ext uri="{A12FA001-AC4F-418D-AE19-62706E023703}">
+                      <ahyp:hlinkClr xmlns:ahyp="http://schemas.microsoft.com/office/drawing/2018/hyperlinkcolor" val="tx"/>
+                    </a:ext>
+                  </a:extLst>
+                </a:hlinkClick>
+              </a:rPr>
+              <a:t>https://doi.org/10.1016/s0828-282x(10)71075-8</a:t>
+            </a:r>
+            <a:endParaRPr lang="en-US" sz="1400" dirty="0">
+              <a:solidFill>
+                <a:schemeClr val="accent1"/>
+              </a:solidFill>
+              <a:latin typeface="+mj-lt"/>
+            </a:endParaRPr>
+          </a:p>
+          <a:p>
+            <a:r>
+              <a:rPr lang="en-US" sz="1400" dirty="0">
+                <a:latin typeface="+mj-lt"/>
+              </a:rPr>
+              <a:t>U.S. Department of Health &amp; Human Services (2023, August 26). Heart Disease </a:t>
+            </a:r>
+            <a:r>
+              <a:rPr lang="en-US" sz="1400" i="1" dirty="0">
+                <a:effectLst/>
+                <a:latin typeface="+mj-lt"/>
+                <a:ea typeface="Times New Roman" panose="02020603050405020304" pitchFamily="18" charset="0"/>
+              </a:rPr>
+              <a:t>Mortality Data Among US Adults (35+) by State/Territory and County</a:t>
+            </a:r>
+            <a:r>
+              <a:rPr lang="en-US" sz="1400" dirty="0">
+                <a:effectLst/>
+                <a:latin typeface="+mj-lt"/>
+                <a:ea typeface="Times New Roman" panose="02020603050405020304" pitchFamily="18" charset="0"/>
+              </a:rPr>
+              <a:t>. </a:t>
+            </a:r>
+            <a:r>
+              <a:rPr lang="en-US" sz="1400" dirty="0" err="1">
+                <a:effectLst/>
+                <a:latin typeface="+mj-lt"/>
+                <a:ea typeface="Times New Roman" panose="02020603050405020304" pitchFamily="18" charset="0"/>
+              </a:rPr>
+              <a:t>Data.gov</a:t>
+            </a:r>
+            <a:r>
+              <a:rPr lang="en-US" sz="1400" dirty="0">
+                <a:effectLst/>
+                <a:latin typeface="+mj-lt"/>
+                <a:ea typeface="Times New Roman" panose="02020603050405020304" pitchFamily="18" charset="0"/>
+              </a:rPr>
+              <a:t>. Retrieved January 27, 2024, from </a:t>
+            </a:r>
+            <a:r>
+              <a:rPr lang="en-US" sz="1400" dirty="0">
+                <a:solidFill>
+                  <a:schemeClr val="accent1"/>
+                </a:solidFill>
+                <a:effectLst/>
+                <a:latin typeface="+mj-lt"/>
+                <a:ea typeface="Times New Roman" panose="02020603050405020304" pitchFamily="18" charset="0"/>
+                <a:hlinkClick r:id="rId6">
+                  <a:extLst>
+                    <a:ext uri="{A12FA001-AC4F-418D-AE19-62706E023703}">
+                      <ahyp:hlinkClr xmlns:ahyp="http://schemas.microsoft.com/office/drawing/2018/hyperlinkcolor" val="tx"/>
+                    </a:ext>
+                  </a:extLst>
+                </a:hlinkClick>
+              </a:rPr>
+              <a:t>https://catalog.data.gov/dataset/heart-disease-mortality-data-among-us-adults-35-by-state-territory-and-countyhttps://catalog.data.gov/dataset/heart-disease-mortality-data-among-us-adults-35-by-state-territory-and-county</a:t>
+            </a:r>
+            <a:endParaRPr lang="en-US" sz="1400" dirty="0">
+              <a:solidFill>
+                <a:schemeClr val="accent1"/>
+              </a:solidFill>
+              <a:latin typeface="+mj-lt"/>
+            </a:endParaRPr>
+          </a:p>
+          <a:p>
+            <a:r>
+              <a:rPr lang="en-US" sz="1400" dirty="0">
+                <a:effectLst/>
+                <a:latin typeface="+mj-lt"/>
+                <a:ea typeface="Times New Roman" panose="02020603050405020304" pitchFamily="18" charset="0"/>
+              </a:rPr>
+              <a:t>Xu, J., Murphy, S. L., </a:t>
+            </a:r>
+            <a:r>
+              <a:rPr lang="en-US" sz="1400" dirty="0" err="1">
+                <a:effectLst/>
+                <a:latin typeface="+mj-lt"/>
+                <a:ea typeface="Times New Roman" panose="02020603050405020304" pitchFamily="18" charset="0"/>
+              </a:rPr>
+              <a:t>Kochanek</a:t>
+            </a:r>
+            <a:r>
+              <a:rPr lang="en-US" sz="1400" dirty="0">
+                <a:effectLst/>
+                <a:latin typeface="+mj-lt"/>
+                <a:ea typeface="Times New Roman" panose="02020603050405020304" pitchFamily="18" charset="0"/>
+              </a:rPr>
+              <a:t>, K. D., &amp; Arias, E. (2022, December 22). </a:t>
+            </a:r>
+            <a:r>
+              <a:rPr lang="en-US" sz="1400" i="1" dirty="0">
+                <a:effectLst/>
+                <a:latin typeface="+mj-lt"/>
+                <a:ea typeface="Times New Roman" panose="02020603050405020304" pitchFamily="18" charset="0"/>
+              </a:rPr>
+              <a:t>Mortality in the United States, 2021</a:t>
+            </a:r>
+            <a:r>
+              <a:rPr lang="en-US" sz="1400" dirty="0">
+                <a:effectLst/>
+                <a:latin typeface="+mj-lt"/>
+                <a:ea typeface="Times New Roman" panose="02020603050405020304" pitchFamily="18" charset="0"/>
+              </a:rPr>
+              <a:t>. Center for Disease Control and Prevention. Retrieved February 24, 2024, from </a:t>
+            </a:r>
+            <a:r>
+              <a:rPr lang="en-US" sz="1400" dirty="0">
+                <a:solidFill>
+                  <a:schemeClr val="accent1"/>
+                </a:solidFill>
+                <a:effectLst/>
+                <a:latin typeface="+mj-lt"/>
+                <a:ea typeface="Times New Roman" panose="02020603050405020304" pitchFamily="18" charset="0"/>
+                <a:hlinkClick r:id="rId7">
+                  <a:extLst>
+                    <a:ext uri="{A12FA001-AC4F-418D-AE19-62706E023703}">
+                      <ahyp:hlinkClr xmlns:ahyp="http://schemas.microsoft.com/office/drawing/2018/hyperlinkcolor" val="tx"/>
+                    </a:ext>
+                  </a:extLst>
+                </a:hlinkClick>
+              </a:rPr>
+              <a:t>https://stacks.cdc.gov/view/cdc/122516</a:t>
+            </a:r>
+            <a:endParaRPr lang="en-US" sz="1400" dirty="0">
+              <a:solidFill>
+                <a:schemeClr val="accent1"/>
+              </a:solidFill>
+              <a:latin typeface="+mj-lt"/>
+            </a:endParaRPr>
+          </a:p>
+          <a:p>
+            <a:r>
+              <a:rPr lang="en-US" sz="1400" dirty="0">
+                <a:latin typeface="+mj-lt"/>
+              </a:rPr>
+              <a:t>Zandt, F. (2024). </a:t>
+            </a:r>
+            <a:r>
+              <a:rPr lang="en-US" sz="1400" i="1" dirty="0">
+                <a:latin typeface="+mj-lt"/>
+              </a:rPr>
+              <a:t>One in Five Deaths in the U.S. Caused by Heart Disease</a:t>
+            </a:r>
+            <a:r>
+              <a:rPr lang="en-US" sz="1400" dirty="0">
+                <a:latin typeface="+mj-lt"/>
+              </a:rPr>
+              <a:t> [Photograph]. Statista. </a:t>
+            </a:r>
+            <a:r>
+              <a:rPr lang="en-US" sz="1400" dirty="0">
+                <a:solidFill>
+                  <a:schemeClr val="accent1"/>
+                </a:solidFill>
+                <a:latin typeface="+mj-lt"/>
+                <a:hlinkClick r:id="rId8">
+                  <a:extLst>
+                    <a:ext uri="{A12FA001-AC4F-418D-AE19-62706E023703}">
+                      <ahyp:hlinkClr xmlns:ahyp="http://schemas.microsoft.com/office/drawing/2018/hyperlinkcolor" val="tx"/>
+                    </a:ext>
+                  </a:extLst>
+                </a:hlinkClick>
+              </a:rPr>
+              <a:t>https://www.statista.com/chart/30883/deaths-from-leading-causes-of-death-in-the-united-states/</a:t>
+            </a:r>
+            <a:endParaRPr lang="en-US" sz="1400" dirty="0">
+              <a:solidFill>
+                <a:schemeClr val="accent1"/>
+              </a:solidFill>
+              <a:latin typeface="+mj-lt"/>
+            </a:endParaRPr>
+          </a:p>
+          <a:p>
+            <a:endParaRPr lang="en-US" dirty="0"/>
+          </a:p>
+        </p:txBody>
+      </p:sp>
+    </p:spTree>
+    <p:extLst>
+      <p:ext uri="{BB962C8B-B14F-4D97-AF65-F5344CB8AC3E}">
+        <p14:creationId xmlns:p14="http://schemas.microsoft.com/office/powerpoint/2010/main" val="3172309303"/>
       </p:ext>
     </p:extLst>
   </p:cSld>
@@ -13576,10 +15040,10 @@
       </p:grpSpPr>
       <p:sp>
         <p:nvSpPr>
-          <p:cNvPr id="4" name="Rectangle 3">
+          <p:cNvPr id="5" name="Rectangle 4">
             <a:extLst>
               <a:ext uri="{FF2B5EF4-FFF2-40B4-BE49-F238E27FC236}">
-                <a16:creationId xmlns:a16="http://schemas.microsoft.com/office/drawing/2014/main" id="{32FD5BA4-EC50-AA88-7271-D5477AD9F878}"/>
+                <a16:creationId xmlns:a16="http://schemas.microsoft.com/office/drawing/2014/main" id="{E5021D5E-3360-CC9A-0BBE-35A85425624D}"/>
               </a:ext>
             </a:extLst>
           </p:cNvPr>
@@ -13588,8 +15052,8 @@
         </p:nvSpPr>
         <p:spPr>
           <a:xfrm>
-            <a:off x="680321" y="2057400"/>
-            <a:ext cx="5589850" cy="4386943"/>
+            <a:off x="1187358" y="2111165"/>
+            <a:ext cx="4299892" cy="4348124"/>
           </a:xfrm>
           <a:prstGeom prst="rect">
             <a:avLst/>
@@ -13622,52 +15086,6 @@
       </p:sp>
       <p:sp>
         <p:nvSpPr>
-          <p:cNvPr id="5" name="Rectangle 4">
-            <a:extLst>
-              <a:ext uri="{FF2B5EF4-FFF2-40B4-BE49-F238E27FC236}">
-                <a16:creationId xmlns:a16="http://schemas.microsoft.com/office/drawing/2014/main" id="{E5021D5E-3360-CC9A-0BBE-35A85425624D}"/>
-              </a:ext>
-            </a:extLst>
-          </p:cNvPr>
-          <p:cNvSpPr/>
-          <p:nvPr/>
-        </p:nvSpPr>
-        <p:spPr>
-          <a:xfrm>
-            <a:off x="680321" y="2090058"/>
-            <a:ext cx="5589850" cy="4577518"/>
-          </a:xfrm>
-          <a:prstGeom prst="rect">
-            <a:avLst/>
-          </a:prstGeom>
-        </p:spPr>
-        <p:style>
-          <a:lnRef idx="2">
-            <a:schemeClr val="dk1">
-              <a:shade val="15000"/>
-            </a:schemeClr>
-          </a:lnRef>
-          <a:fillRef idx="1">
-            <a:schemeClr val="dk1"/>
-          </a:fillRef>
-          <a:effectRef idx="0">
-            <a:schemeClr val="dk1"/>
-          </a:effectRef>
-          <a:fontRef idx="minor">
-            <a:schemeClr val="lt1"/>
-          </a:fontRef>
-        </p:style>
-        <p:txBody>
-          <a:bodyPr rtlCol="0" anchor="ctr"/>
-          <a:lstStyle/>
-          <a:p>
-            <a:pPr algn="ctr"/>
-            <a:endParaRPr lang="en-US"/>
-          </a:p>
-        </p:txBody>
-      </p:sp>
-      <p:sp>
-        <p:nvSpPr>
           <p:cNvPr id="2" name="Title 1">
             <a:extLst>
               <a:ext uri="{FF2B5EF4-FFF2-40B4-BE49-F238E27FC236}">
@@ -13712,8 +15130,8 @@
         </p:nvSpPr>
         <p:spPr>
           <a:xfrm>
-            <a:off x="6857999" y="2214164"/>
-            <a:ext cx="4031673" cy="3969461"/>
+            <a:off x="6096000" y="2263444"/>
+            <a:ext cx="3874769" cy="3969461"/>
           </a:xfrm>
         </p:spPr>
         <p:txBody>
@@ -13773,24 +15191,49 @@
               <a:t>Strokes</a:t>
             </a:r>
           </a:p>
-          <a:p>
-            <a:r>
-              <a:rPr lang="en-US" dirty="0">
-                <a:solidFill>
-                  <a:srgbClr val="0070C0"/>
-                </a:solidFill>
-              </a:rPr>
-              <a:t>Need citation</a:t>
+        </p:txBody>
+      </p:sp>
+      <p:sp>
+        <p:nvSpPr>
+          <p:cNvPr id="6" name="TextBox 5">
+            <a:extLst>
+              <a:ext uri="{FF2B5EF4-FFF2-40B4-BE49-F238E27FC236}">
+                <a16:creationId xmlns:a16="http://schemas.microsoft.com/office/drawing/2014/main" id="{3FF0B620-F0E0-5C4C-DF34-D30AFCE2F44D}"/>
+              </a:ext>
+            </a:extLst>
+          </p:cNvPr>
+          <p:cNvSpPr txBox="1"/>
+          <p:nvPr/>
+        </p:nvSpPr>
+        <p:spPr>
+          <a:xfrm>
+            <a:off x="1097280" y="6472057"/>
+            <a:ext cx="4572000" cy="276999"/>
+          </a:xfrm>
+          <a:prstGeom prst="rect">
+            <a:avLst/>
+          </a:prstGeom>
+          <a:noFill/>
+        </p:spPr>
+        <p:txBody>
+          <a:bodyPr wrap="square" rtlCol="0">
+            <a:spAutoFit/>
+          </a:bodyPr>
+          <a:lstStyle/>
+          <a:p>
+            <a:r>
+              <a:rPr lang="en-US" sz="1200" dirty="0"/>
+              <a:t>(One in Five Deaths in the U.S. Caused by Heart Disease, 2024)</a:t>
             </a:r>
           </a:p>
         </p:txBody>
       </p:sp>
       <p:pic>
         <p:nvPicPr>
-          <p:cNvPr id="2052" name="Picture 4" descr="Infographic: What Are the Leading Causes of Death in the U.S.? | Statista">
+          <p:cNvPr id="1028" name="Picture 4" descr="Infographic: What Are the Leading Causes of Death in the U.S.? | Statista">
             <a:extLst>
               <a:ext uri="{FF2B5EF4-FFF2-40B4-BE49-F238E27FC236}">
-                <a16:creationId xmlns:a16="http://schemas.microsoft.com/office/drawing/2014/main" id="{64E10E8D-8E72-14A9-EBE8-9CFC71414EB0}"/>
+                <a16:creationId xmlns:a16="http://schemas.microsoft.com/office/drawing/2014/main" id="{EA0C56ED-6AC3-CE18-20BE-A88061935058}"/>
               </a:ext>
             </a:extLst>
           </p:cNvPr>
@@ -13814,8 +15257,8 @@
         </p:blipFill>
         <p:spPr bwMode="auto">
           <a:xfrm>
-            <a:off x="971337" y="2214163"/>
-            <a:ext cx="5007817" cy="3969461"/>
+            <a:off x="1314721" y="2225592"/>
+            <a:ext cx="4045166" cy="4045166"/>
           </a:xfrm>
           <a:prstGeom prst="rect">
             <a:avLst/>
@@ -13832,6 +15275,52 @@
           </a:extLst>
         </p:spPr>
       </p:pic>
+      <p:sp>
+        <p:nvSpPr>
+          <p:cNvPr id="7" name="TextBox 6">
+            <a:extLst>
+              <a:ext uri="{FF2B5EF4-FFF2-40B4-BE49-F238E27FC236}">
+                <a16:creationId xmlns:a16="http://schemas.microsoft.com/office/drawing/2014/main" id="{B3A40AF7-E9DF-0EE5-D87D-DE08DA31A4DA}"/>
+              </a:ext>
+            </a:extLst>
+          </p:cNvPr>
+          <p:cNvSpPr txBox="1"/>
+          <p:nvPr/>
+        </p:nvSpPr>
+        <p:spPr>
+          <a:xfrm>
+            <a:off x="6096000" y="6472056"/>
+            <a:ext cx="2045777" cy="276999"/>
+          </a:xfrm>
+          <a:prstGeom prst="rect">
+            <a:avLst/>
+          </a:prstGeom>
+          <a:noFill/>
+        </p:spPr>
+        <p:txBody>
+          <a:bodyPr wrap="square" rtlCol="0">
+            <a:spAutoFit/>
+          </a:bodyPr>
+          <a:lstStyle/>
+          <a:p>
+            <a:r>
+              <a:rPr lang="en-US" sz="1200" kern="0" dirty="0">
+                <a:effectLst/>
+                <a:latin typeface="Times New Roman" panose="02020603050405020304" pitchFamily="18" charset="0"/>
+                <a:ea typeface="Times New Roman" panose="02020603050405020304" pitchFamily="18" charset="0"/>
+              </a:rPr>
+              <a:t>(Xu et al., 2022)</a:t>
+            </a:r>
+            <a:r>
+              <a:rPr lang="en-US" sz="1200" dirty="0">
+                <a:effectLst/>
+              </a:rPr>
+              <a:t> </a:t>
+            </a:r>
+            <a:endParaRPr lang="en-US" sz="1200" dirty="0"/>
+          </a:p>
+        </p:txBody>
+      </p:sp>
     </p:spTree>
     <p:extLst>
       <p:ext uri="{BB962C8B-B14F-4D97-AF65-F5344CB8AC3E}">
@@ -13876,8 +15365,8 @@
         </p:nvSpPr>
         <p:spPr>
           <a:xfrm>
-            <a:off x="272143" y="1589314"/>
-            <a:ext cx="4926322" cy="5127172"/>
+            <a:off x="869998" y="2062688"/>
+            <a:ext cx="5687878" cy="4681229"/>
           </a:xfrm>
           <a:prstGeom prst="rect">
             <a:avLst/>
@@ -13954,8 +15443,8 @@
         </p:nvSpPr>
         <p:spPr>
           <a:xfrm>
-            <a:off x="5880479" y="2226036"/>
-            <a:ext cx="4413701" cy="3599313"/>
+            <a:off x="6787766" y="2292672"/>
+            <a:ext cx="4534235" cy="4221259"/>
           </a:xfrm>
         </p:spPr>
         <p:txBody>
@@ -13999,51 +15488,116 @@
       </p:sp>
       <p:pic>
         <p:nvPicPr>
-          <p:cNvPr id="3074" name="Picture 2" descr="Cardiology Magazine Image">
+          <p:cNvPr id="9" name="Picture 8" descr="A map of the united states&#10;&#10;Description automatically generated">
             <a:extLst>
               <a:ext uri="{FF2B5EF4-FFF2-40B4-BE49-F238E27FC236}">
-                <a16:creationId xmlns:a16="http://schemas.microsoft.com/office/drawing/2014/main" id="{767893D3-015F-E01E-398B-DB3D59C03DE9}"/>
+                <a16:creationId xmlns:a16="http://schemas.microsoft.com/office/drawing/2014/main" id="{55529F78-C0BF-E3BE-A7DC-82BBD5EB048A}"/>
               </a:ext>
             </a:extLst>
           </p:cNvPr>
           <p:cNvPicPr>
-            <a:picLocks noChangeAspect="1" noChangeArrowheads="1"/>
+            <a:picLocks noChangeAspect="1"/>
           </p:cNvPicPr>
           <p:nvPr/>
         </p:nvPicPr>
         <p:blipFill>
-          <a:blip r:embed="rId3">
-            <a:extLst>
-              <a:ext uri="{28A0092B-C50C-407E-A947-70E740481C1C}">
-                <a14:useLocalDpi xmlns:a14="http://schemas.microsoft.com/office/drawing/2010/main" val="0"/>
-              </a:ext>
-            </a:extLst>
-          </a:blip>
-          <a:srcRect/>
+          <a:blip r:embed="rId3"/>
           <a:stretch>
             <a:fillRect/>
           </a:stretch>
         </p:blipFill>
-        <p:spPr bwMode="auto">
-          <a:xfrm>
-            <a:off x="497856" y="1814459"/>
-            <a:ext cx="4475505" cy="4475505"/>
+        <p:spPr>
+          <a:xfrm>
+            <a:off x="1099889" y="2190677"/>
+            <a:ext cx="5228096" cy="4276241"/>
+          </a:xfrm>
+          <a:prstGeom prst="rect">
+            <a:avLst/>
+          </a:prstGeom>
+        </p:spPr>
+      </p:pic>
+      <p:sp>
+        <p:nvSpPr>
+          <p:cNvPr id="10" name="TextBox 9">
+            <a:extLst>
+              <a:ext uri="{FF2B5EF4-FFF2-40B4-BE49-F238E27FC236}">
+                <a16:creationId xmlns:a16="http://schemas.microsoft.com/office/drawing/2014/main" id="{B069E6DB-B020-AD7D-AB70-CA330034658B}"/>
+              </a:ext>
+            </a:extLst>
+          </p:cNvPr>
+          <p:cNvSpPr txBox="1"/>
+          <p:nvPr/>
+        </p:nvSpPr>
+        <p:spPr>
+          <a:xfrm>
+            <a:off x="1113293" y="6466918"/>
+            <a:ext cx="5457987" cy="276999"/>
           </a:xfrm>
           <a:prstGeom prst="rect">
             <a:avLst/>
           </a:prstGeom>
           <a:noFill/>
-          <a:extLst>
-            <a:ext uri="{909E8E84-426E-40DD-AFC4-6F175D3DCCD1}">
-              <a14:hiddenFill xmlns:a14="http://schemas.microsoft.com/office/drawing/2010/main">
-                <a:solidFill>
-                  <a:srgbClr val="FFFFFF"/>
-                </a:solidFill>
-              </a14:hiddenFill>
-            </a:ext>
-          </a:extLst>
-        </p:spPr>
-      </p:pic>
+        </p:spPr>
+        <p:txBody>
+          <a:bodyPr wrap="square" rtlCol="0">
+            <a:spAutoFit/>
+          </a:bodyPr>
+          <a:lstStyle/>
+          <a:p>
+            <a:r>
+              <a:rPr lang="en-US" sz="1200" dirty="0"/>
+              <a:t>(Heart Disease Death Rates Vary Widely Across the US, Map Reveals, 2017)</a:t>
+            </a:r>
+          </a:p>
+        </p:txBody>
+      </p:sp>
+      <p:sp>
+        <p:nvSpPr>
+          <p:cNvPr id="11" name="TextBox 10">
+            <a:extLst>
+              <a:ext uri="{FF2B5EF4-FFF2-40B4-BE49-F238E27FC236}">
+                <a16:creationId xmlns:a16="http://schemas.microsoft.com/office/drawing/2014/main" id="{A27355DA-ACC2-B093-6DD2-05522A506462}"/>
+              </a:ext>
+            </a:extLst>
+          </p:cNvPr>
+          <p:cNvSpPr txBox="1"/>
+          <p:nvPr/>
+        </p:nvSpPr>
+        <p:spPr>
+          <a:xfrm>
+            <a:off x="6814575" y="6466918"/>
+            <a:ext cx="3642102" cy="276999"/>
+          </a:xfrm>
+          <a:prstGeom prst="rect">
+            <a:avLst/>
+          </a:prstGeom>
+          <a:noFill/>
+        </p:spPr>
+        <p:txBody>
+          <a:bodyPr wrap="square" rtlCol="0">
+            <a:spAutoFit/>
+          </a:bodyPr>
+          <a:lstStyle/>
+          <a:p>
+            <a:r>
+              <a:rPr lang="en-US" sz="1200" kern="0" dirty="0">
+                <a:effectLst/>
+                <a:latin typeface="Times New Roman" panose="02020603050405020304" pitchFamily="18" charset="0"/>
+                <a:ea typeface="Times New Roman" panose="02020603050405020304" pitchFamily="18" charset="0"/>
+              </a:rPr>
+              <a:t>(U.S. Department of Health &amp; Human Services, 2023</a:t>
+            </a:r>
+            <a:r>
+              <a:rPr lang="en-US" sz="1200" kern="0" dirty="0">
+                <a:latin typeface="Times New Roman" panose="02020603050405020304" pitchFamily="18" charset="0"/>
+                <a:ea typeface="Times New Roman" panose="02020603050405020304" pitchFamily="18" charset="0"/>
+              </a:rPr>
+              <a:t>)</a:t>
+            </a:r>
+            <a:endParaRPr lang="en-US" sz="1200" dirty="0"/>
+          </a:p>
+        </p:txBody>
+      </p:sp>
     </p:spTree>
     <p:extLst>
       <p:ext uri="{BB962C8B-B14F-4D97-AF65-F5344CB8AC3E}">
@@ -14144,32 +15698,32 @@
         </p:spPr>
         <p:txBody>
           <a:bodyPr>
-            <a:normAutofit fontScale="90000"/>
+            <a:normAutofit/>
           </a:bodyPr>
           <a:lstStyle/>
           <a:p>
             <a:r>
-              <a:rPr lang="en-US" dirty="0"/>
+              <a:rPr lang="en-US" sz="2700" dirty="0"/>
               <a:t>- Geographical Location – County / State</a:t>
             </a:r>
             <a:br>
-              <a:rPr lang="en-US" dirty="0"/>
+              <a:rPr lang="en-US" sz="2700" dirty="0"/>
             </a:br>
             <a:br>
-              <a:rPr lang="en-US" dirty="0"/>
+              <a:rPr lang="en-US" sz="2700" dirty="0"/>
             </a:br>
             <a:r>
-              <a:rPr lang="en-US" dirty="0"/>
+              <a:rPr lang="en-US" sz="2700" dirty="0"/>
               <a:t>- Ethnicity/Race –White, Black, Hispanic, American Indian and Alaskan Native, and Asian and Pacific Islander </a:t>
             </a:r>
             <a:br>
-              <a:rPr lang="en-US" dirty="0"/>
+              <a:rPr lang="en-US" sz="2700" dirty="0"/>
             </a:br>
             <a:br>
-              <a:rPr lang="en-US" dirty="0"/>
+              <a:rPr lang="en-US" sz="2700" dirty="0"/>
             </a:br>
             <a:r>
-              <a:rPr lang="en-US" dirty="0"/>
+              <a:rPr lang="en-US" sz="2700" dirty="0"/>
               <a:t>- Gender – Male vs Female</a:t>
             </a:r>
             <a:br>
@@ -14195,7 +15749,12 @@
             <p:ph type="body" sz="half" idx="2"/>
           </p:nvPr>
         </p:nvSpPr>
-        <p:spPr/>
+        <p:spPr>
+          <a:xfrm>
+            <a:off x="370115" y="4711615"/>
+            <a:ext cx="8819606" cy="1090789"/>
+          </a:xfrm>
+        </p:spPr>
         <p:txBody>
           <a:bodyPr>
             <a:normAutofit/>
@@ -14203,13 +15762,13 @@
           <a:lstStyle/>
           <a:p>
             <a:r>
-              <a:rPr lang="en-US" sz="3000" b="0" i="0" dirty="0">
+              <a:rPr lang="en-US" sz="3600" b="0" i="0" dirty="0">
                 <a:effectLst/>
                 <a:latin typeface="+mj-lt"/>
               </a:rPr>
               <a:t>Factors that Impact of Location, Ethnicity, and Gender</a:t>
             </a:r>
-            <a:endParaRPr lang="en-US" sz="3000" dirty="0">
+            <a:endParaRPr lang="en-US" sz="3600" dirty="0">
               <a:latin typeface="+mj-lt"/>
             </a:endParaRPr>
           </a:p>
@@ -14737,8 +16296,8 @@
         </p:blipFill>
         <p:spPr>
           <a:xfrm>
-            <a:off x="4011643" y="1141320"/>
-            <a:ext cx="7984185" cy="4828101"/>
+            <a:off x="3886383" y="1141320"/>
+            <a:ext cx="7948063" cy="4828101"/>
           </a:xfrm>
           <a:prstGeom prst="rect">
             <a:avLst/>
@@ -15046,18 +16605,86 @@
               <a:t>Resources</a:t>
             </a:r>
           </a:p>
-          <a:p>
-            <a:pPr lvl="1" indent="-228600">
-              <a:buFont typeface="Arial" panose="020B0604020202020204" pitchFamily="34" charset="0"/>
-              <a:buChar char="•"/>
-            </a:pPr>
+        </p:txBody>
+      </p:sp>
+      <p:sp>
+        <p:nvSpPr>
+          <p:cNvPr id="3" name="TextBox 2">
+            <a:extLst>
+              <a:ext uri="{FF2B5EF4-FFF2-40B4-BE49-F238E27FC236}">
+                <a16:creationId xmlns:a16="http://schemas.microsoft.com/office/drawing/2014/main" id="{0C46E4F4-CEDD-0801-B344-0CA3CF51C544}"/>
+              </a:ext>
+            </a:extLst>
+          </p:cNvPr>
+          <p:cNvSpPr txBox="1"/>
+          <p:nvPr/>
+        </p:nvSpPr>
+        <p:spPr>
+          <a:xfrm>
+            <a:off x="645974" y="6120095"/>
+            <a:ext cx="2192554" cy="276999"/>
+          </a:xfrm>
+          <a:prstGeom prst="rect">
+            <a:avLst/>
+          </a:prstGeom>
+          <a:noFill/>
+        </p:spPr>
+        <p:txBody>
+          <a:bodyPr wrap="square" rtlCol="0">
+            <a:spAutoFit/>
+          </a:bodyPr>
+          <a:lstStyle/>
+          <a:p>
+            <a:r>
+              <a:rPr lang="en-US" sz="1200" dirty="0"/>
+              <a:t>(</a:t>
+            </a:r>
+            <a:r>
+              <a:rPr lang="en-US" sz="1200" dirty="0" err="1"/>
+              <a:t>Kreatsoulas</a:t>
+            </a:r>
+            <a:r>
+              <a:rPr lang="en-US" sz="1200" dirty="0"/>
+              <a:t> &amp; Anand, 2010)</a:t>
+            </a:r>
+          </a:p>
+        </p:txBody>
+      </p:sp>
+      <p:sp>
+        <p:nvSpPr>
+          <p:cNvPr id="5" name="TextBox 4">
+            <a:extLst>
+              <a:ext uri="{FF2B5EF4-FFF2-40B4-BE49-F238E27FC236}">
+                <a16:creationId xmlns:a16="http://schemas.microsoft.com/office/drawing/2014/main" id="{CAAD8F4D-8096-358F-90FB-3F5AB5BC6751}"/>
+              </a:ext>
+            </a:extLst>
+          </p:cNvPr>
+          <p:cNvSpPr txBox="1"/>
+          <p:nvPr/>
+        </p:nvSpPr>
+        <p:spPr>
+          <a:xfrm>
+            <a:off x="5129728" y="6080514"/>
+            <a:ext cx="6416298" cy="276999"/>
+          </a:xfrm>
+          <a:prstGeom prst="rect">
+            <a:avLst/>
+          </a:prstGeom>
+          <a:noFill/>
+        </p:spPr>
+        <p:txBody>
+          <a:bodyPr wrap="square" rtlCol="0">
+            <a:spAutoFit/>
+          </a:bodyPr>
+          <a:lstStyle/>
+          <a:p>
             <a:r>
               <a:rPr lang="en-US" sz="1200" dirty="0">
                 <a:solidFill>
-                  <a:srgbClr val="0070C0"/>
+                  <a:schemeClr val="bg1"/>
                 </a:solidFill>
               </a:rPr>
-              <a:t>Need citations</a:t>
+              <a:t>Figure 1: Bar Plot of Heart Disease Mortality Death Rate on State (Overall)</a:t>
             </a:r>
           </a:p>
         </p:txBody>
@@ -15693,13 +17320,13 @@
         </p:nvSpPr>
         <p:spPr>
           <a:xfrm>
-            <a:off x="680321" y="2336873"/>
+            <a:off x="687361" y="2231965"/>
             <a:ext cx="3315479" cy="1315171"/>
           </a:xfrm>
         </p:spPr>
         <p:txBody>
           <a:bodyPr vert="horz" lIns="91440" tIns="45720" rIns="91440" bIns="45720" rtlCol="0">
-            <a:normAutofit fontScale="77500" lnSpcReduction="20000"/>
+            <a:normAutofit fontScale="92500" lnSpcReduction="10000"/>
           </a:bodyPr>
           <a:lstStyle/>
           <a:p>
@@ -15742,20 +17369,6 @@
                 </a:solidFill>
               </a:rPr>
               <a:t>Risk are different</a:t>
-            </a:r>
-          </a:p>
-          <a:p>
-            <a:pPr marL="285750" indent="-285750">
-              <a:buFont typeface="Arial" panose="020B0604020202020204" pitchFamily="34" charset="0"/>
-              <a:buChar char="•"/>
-            </a:pPr>
-            <a:r>
-              <a:rPr lang="en-US" sz="1400" dirty="0">
-                <a:solidFill>
-                  <a:srgbClr val="0070C0"/>
-                </a:solidFill>
-              </a:rPr>
-              <a:t>Need citation</a:t>
             </a:r>
           </a:p>
           <a:p>
@@ -15873,8 +17486,8 @@
         </p:blipFill>
         <p:spPr>
           <a:xfrm>
-            <a:off x="5345983" y="1387512"/>
-            <a:ext cx="6165696" cy="4082975"/>
+            <a:off x="5104063" y="945397"/>
+            <a:ext cx="6444681" cy="5083443"/>
           </a:xfrm>
           <a:prstGeom prst="rect">
             <a:avLst/>
@@ -16525,6 +18138,80 @@
                 </a:solidFill>
               </a:rPr>
               <a:t>Less doctors visits	</a:t>
+            </a:r>
+          </a:p>
+        </p:txBody>
+      </p:sp>
+      <p:sp>
+        <p:nvSpPr>
+          <p:cNvPr id="3" name="TextBox 2">
+            <a:extLst>
+              <a:ext uri="{FF2B5EF4-FFF2-40B4-BE49-F238E27FC236}">
+                <a16:creationId xmlns:a16="http://schemas.microsoft.com/office/drawing/2014/main" id="{ECCDF149-95D4-28C2-FE2D-8768087670E8}"/>
+              </a:ext>
+            </a:extLst>
+          </p:cNvPr>
+          <p:cNvSpPr txBox="1"/>
+          <p:nvPr/>
+        </p:nvSpPr>
+        <p:spPr>
+          <a:xfrm>
+            <a:off x="649192" y="5902225"/>
+            <a:ext cx="3315479" cy="276999"/>
+          </a:xfrm>
+          <a:prstGeom prst="rect">
+            <a:avLst/>
+          </a:prstGeom>
+          <a:noFill/>
+        </p:spPr>
+        <p:txBody>
+          <a:bodyPr wrap="square" rtlCol="0">
+            <a:spAutoFit/>
+          </a:bodyPr>
+          <a:lstStyle/>
+          <a:p>
+            <a:r>
+              <a:rPr lang="en-US" sz="1200" dirty="0">
+                <a:solidFill>
+                  <a:schemeClr val="bg1"/>
+                </a:solidFill>
+              </a:rPr>
+              <a:t>(Jhalani, 2022)</a:t>
+            </a:r>
+          </a:p>
+        </p:txBody>
+      </p:sp>
+      <p:sp>
+        <p:nvSpPr>
+          <p:cNvPr id="6" name="TextBox 5">
+            <a:extLst>
+              <a:ext uri="{FF2B5EF4-FFF2-40B4-BE49-F238E27FC236}">
+                <a16:creationId xmlns:a16="http://schemas.microsoft.com/office/drawing/2014/main" id="{7666E5D1-1E36-45BF-60C5-8F4E1DC4179C}"/>
+              </a:ext>
+            </a:extLst>
+          </p:cNvPr>
+          <p:cNvSpPr txBox="1"/>
+          <p:nvPr/>
+        </p:nvSpPr>
+        <p:spPr>
+          <a:xfrm>
+            <a:off x="5276090" y="6300696"/>
+            <a:ext cx="6075485" cy="276999"/>
+          </a:xfrm>
+          <a:prstGeom prst="rect">
+            <a:avLst/>
+          </a:prstGeom>
+          <a:noFill/>
+        </p:spPr>
+        <p:txBody>
+          <a:bodyPr wrap="square" rtlCol="0">
+            <a:spAutoFit/>
+          </a:bodyPr>
+          <a:lstStyle/>
+          <a:p>
+            <a:r>
+              <a:rPr lang="en-US" sz="1200" dirty="0"/>
+              <a:t>Figure 2: Bar Plot of Heart Disease Mortality Death Rate based on Gender</a:t>
             </a:r>
           </a:p>
         </p:txBody>
@@ -16610,8 +18297,8 @@
         </p:nvSpPr>
         <p:spPr>
           <a:xfrm>
-            <a:off x="2367659" y="2118541"/>
-            <a:ext cx="1482603" cy="457127"/>
+            <a:off x="2402828" y="2057326"/>
+            <a:ext cx="1166849" cy="418846"/>
           </a:xfrm>
         </p:spPr>
         <p:txBody>
@@ -16645,8 +18332,8 @@
         </p:nvSpPr>
         <p:spPr>
           <a:xfrm>
-            <a:off x="8253442" y="2156822"/>
-            <a:ext cx="1395035" cy="457127"/>
+            <a:off x="8253440" y="2057327"/>
+            <a:ext cx="1395035" cy="418846"/>
           </a:xfrm>
         </p:spPr>
         <p:txBody>
@@ -16692,7 +18379,7 @@
         </p:blipFill>
         <p:spPr>
           <a:xfrm>
-            <a:off x="355599" y="2613950"/>
+            <a:off x="383342" y="2545061"/>
             <a:ext cx="5567680" cy="3975808"/>
           </a:xfrm>
           <a:prstGeom prst="rect">
@@ -16724,8 +18411,8 @@
         </p:blipFill>
         <p:spPr>
           <a:xfrm>
-            <a:off x="6131559" y="2693918"/>
-            <a:ext cx="5638799" cy="3815872"/>
+            <a:off x="6131557" y="2579505"/>
+            <a:ext cx="5638799" cy="3906919"/>
           </a:xfrm>
           <a:prstGeom prst="rect">
             <a:avLst/>
@@ -16762,6 +18449,76 @@
           </a:sp3d>
         </p:spPr>
       </p:pic>
+      <p:sp>
+        <p:nvSpPr>
+          <p:cNvPr id="6" name="TextBox 5">
+            <a:extLst>
+              <a:ext uri="{FF2B5EF4-FFF2-40B4-BE49-F238E27FC236}">
+                <a16:creationId xmlns:a16="http://schemas.microsoft.com/office/drawing/2014/main" id="{49F8AAD2-E579-BEFD-7D5A-A97D2CF56262}"/>
+              </a:ext>
+            </a:extLst>
+          </p:cNvPr>
+          <p:cNvSpPr txBox="1"/>
+          <p:nvPr/>
+        </p:nvSpPr>
+        <p:spPr>
+          <a:xfrm>
+            <a:off x="383343" y="6520869"/>
+            <a:ext cx="5454750" cy="276999"/>
+          </a:xfrm>
+          <a:prstGeom prst="rect">
+            <a:avLst/>
+          </a:prstGeom>
+          <a:noFill/>
+        </p:spPr>
+        <p:txBody>
+          <a:bodyPr wrap="square" rtlCol="0">
+            <a:spAutoFit/>
+          </a:bodyPr>
+          <a:lstStyle/>
+          <a:p>
+            <a:r>
+              <a:rPr lang="en-US" sz="1200" dirty="0"/>
+              <a:t>Figure 3: Box Plot of Heart Disease per 100k by Ethnicity based on County</a:t>
+            </a:r>
+          </a:p>
+        </p:txBody>
+      </p:sp>
+      <p:sp>
+        <p:nvSpPr>
+          <p:cNvPr id="9" name="TextBox 8">
+            <a:extLst>
+              <a:ext uri="{FF2B5EF4-FFF2-40B4-BE49-F238E27FC236}">
+                <a16:creationId xmlns:a16="http://schemas.microsoft.com/office/drawing/2014/main" id="{7F154A93-CEFD-7C8B-7189-3A9B80D99823}"/>
+              </a:ext>
+            </a:extLst>
+          </p:cNvPr>
+          <p:cNvSpPr txBox="1"/>
+          <p:nvPr/>
+        </p:nvSpPr>
+        <p:spPr>
+          <a:xfrm>
+            <a:off x="6096000" y="6560393"/>
+            <a:ext cx="5454750" cy="276999"/>
+          </a:xfrm>
+          <a:prstGeom prst="rect">
+            <a:avLst/>
+          </a:prstGeom>
+          <a:noFill/>
+        </p:spPr>
+        <p:txBody>
+          <a:bodyPr wrap="square" rtlCol="0">
+            <a:spAutoFit/>
+          </a:bodyPr>
+          <a:lstStyle/>
+          <a:p>
+            <a:r>
+              <a:rPr lang="en-US" sz="1200" dirty="0"/>
+              <a:t>Figure 4: Bar Plot of Heart Disease Mortality Death Rate based on Race</a:t>
+            </a:r>
+          </a:p>
+        </p:txBody>
+      </p:sp>
     </p:spTree>
     <p:extLst>
       <p:ext uri="{BB962C8B-B14F-4D97-AF65-F5344CB8AC3E}">
@@ -16791,7 +18548,7 @@
                 <a:lumMod val="128000"/>
               </a:schemeClr>
             </a:gs>
-            <a:gs pos="50000">
+            <a:gs pos="43000">
               <a:schemeClr val="bg2">
                 <a:shade val="100000"/>
                 <a:hueMod val="100000"/>
@@ -17305,6 +19062,41 @@
                 </a:solidFill>
               </a:rPr>
               <a:t>Tallest = most common</a:t>
+            </a:r>
+          </a:p>
+        </p:txBody>
+      </p:sp>
+      <p:sp>
+        <p:nvSpPr>
+          <p:cNvPr id="4" name="TextBox 3">
+            <a:extLst>
+              <a:ext uri="{FF2B5EF4-FFF2-40B4-BE49-F238E27FC236}">
+                <a16:creationId xmlns:a16="http://schemas.microsoft.com/office/drawing/2014/main" id="{93E3B33B-BD6C-CB26-20C4-430431D4029A}"/>
+              </a:ext>
+            </a:extLst>
+          </p:cNvPr>
+          <p:cNvSpPr txBox="1"/>
+          <p:nvPr/>
+        </p:nvSpPr>
+        <p:spPr>
+          <a:xfrm>
+            <a:off x="644054" y="6324179"/>
+            <a:ext cx="8107789" cy="276999"/>
+          </a:xfrm>
+          <a:prstGeom prst="rect">
+            <a:avLst/>
+          </a:prstGeom>
+          <a:noFill/>
+        </p:spPr>
+        <p:txBody>
+          <a:bodyPr wrap="square" rtlCol="0">
+            <a:spAutoFit/>
+          </a:bodyPr>
+          <a:lstStyle/>
+          <a:p>
+            <a:r>
+              <a:rPr lang="en-US" sz="1200" dirty="0"/>
+              <a:t>Figure 5: Histogram Distribution of Heart Disease Mortality Rate per 100k population for County and Overall</a:t>
             </a:r>
           </a:p>
         </p:txBody>
@@ -17856,8 +19648,8 @@
         </p:nvSpPr>
         <p:spPr>
           <a:xfrm>
-            <a:off x="203201" y="753227"/>
-            <a:ext cx="4746499" cy="1171543"/>
+            <a:off x="643256" y="753227"/>
+            <a:ext cx="3989578" cy="1171543"/>
           </a:xfrm>
         </p:spPr>
         <p:txBody>
@@ -18811,7 +20603,7 @@
                         </a:spcAft>
                       </a:pPr>
                       <a:r>
-                        <a:rPr lang="en-US" sz="2000" kern="100" cap="none" spc="0">
+                        <a:rPr lang="en-US" sz="2000" kern="100" cap="none" spc="0" dirty="0">
                           <a:solidFill>
                             <a:schemeClr val="tx1"/>
                           </a:solidFill>
@@ -18819,7 +20611,7 @@
                         </a:rPr>
                         <a:t>9.512658e+06</a:t>
                       </a:r>
-                      <a:endParaRPr lang="en-US" sz="2000" kern="100" cap="none" spc="0">
+                      <a:endParaRPr lang="en-US" sz="2000" kern="100" cap="none" spc="0" dirty="0">
                         <a:solidFill>
                           <a:schemeClr val="tx1"/>
                         </a:solidFill>
@@ -19113,6 +20905,41 @@
           </a:graphicData>
         </a:graphic>
       </p:graphicFrame>
+      <p:sp>
+        <p:nvSpPr>
+          <p:cNvPr id="3" name="TextBox 2">
+            <a:extLst>
+              <a:ext uri="{FF2B5EF4-FFF2-40B4-BE49-F238E27FC236}">
+                <a16:creationId xmlns:a16="http://schemas.microsoft.com/office/drawing/2014/main" id="{0AFA1794-78E8-B6F9-6E78-98F3EC43CDA9}"/>
+              </a:ext>
+            </a:extLst>
+          </p:cNvPr>
+          <p:cNvSpPr txBox="1"/>
+          <p:nvPr/>
+        </p:nvSpPr>
+        <p:spPr>
+          <a:xfrm>
+            <a:off x="5276090" y="6350558"/>
+            <a:ext cx="6179031" cy="276999"/>
+          </a:xfrm>
+          <a:prstGeom prst="rect">
+            <a:avLst/>
+          </a:prstGeom>
+          <a:noFill/>
+        </p:spPr>
+        <p:txBody>
+          <a:bodyPr wrap="square" rtlCol="0">
+            <a:spAutoFit/>
+          </a:bodyPr>
+          <a:lstStyle/>
+          <a:p>
+            <a:r>
+              <a:rPr lang="en-US" sz="1200" dirty="0"/>
+              <a:t>Figure 6: Chi-Square for heart disease based on Gender, County, State</a:t>
+            </a:r>
+          </a:p>
+        </p:txBody>
+      </p:sp>
     </p:spTree>
     <p:extLst>
       <p:ext uri="{BB962C8B-B14F-4D97-AF65-F5344CB8AC3E}">

--- a/Final PP V1.pptx
+++ b/Final PP V1.pptx
@@ -211,7 +211,7 @@
           <a:p>
             <a:fld id="{1236E0DD-D431-CB43-9E0C-1316AF5F6F55}" type="datetimeFigureOut">
               <a:rPr lang="en-US" smtClean="0"/>
-              <a:t>2/24/24</a:t>
+              <a:t>2/25/24</a:t>
             </a:fld>
             <a:endParaRPr lang="en-US"/>
           </a:p>
@@ -4034,7 +4034,7 @@
           <a:p>
             <a:fld id="{78ABE3C1-DBE1-495D-B57B-2849774B866A}" type="datetimeFigureOut">
               <a:rPr lang="en-US" dirty="0"/>
-              <a:t>2/24/24</a:t>
+              <a:t>2/25/24</a:t>
             </a:fld>
             <a:endParaRPr lang="en-US" dirty="0"/>
           </a:p>
@@ -4443,7 +4443,7 @@
           <a:p>
             <a:fld id="{446C117F-5CCF-4837-BE5F-2B92066CAFAF}" type="datetimeFigureOut">
               <a:rPr lang="en-US" dirty="0"/>
-              <a:t>2/24/24</a:t>
+              <a:t>2/25/24</a:t>
             </a:fld>
             <a:endParaRPr lang="en-US" dirty="0"/>
           </a:p>
@@ -4774,7 +4774,7 @@
           <a:p>
             <a:fld id="{84EB90BD-B6CE-46B7-997F-7313B992CCDC}" type="datetimeFigureOut">
               <a:rPr lang="en-US" dirty="0"/>
-              <a:t>2/24/24</a:t>
+              <a:t>2/25/24</a:t>
             </a:fld>
             <a:endParaRPr lang="en-US" dirty="0"/>
           </a:p>
@@ -5174,7 +5174,7 @@
           <a:p>
             <a:fld id="{CDB9D11F-B188-461D-B23F-39381795C052}" type="datetimeFigureOut">
               <a:rPr lang="en-US" dirty="0"/>
-              <a:t>2/24/24</a:t>
+              <a:t>2/25/24</a:t>
             </a:fld>
             <a:endParaRPr lang="en-US" dirty="0"/>
           </a:p>
@@ -5737,7 +5737,7 @@
           <a:p>
             <a:fld id="{52E6D8D9-55A2-4063-B0F3-121F44549695}" type="datetimeFigureOut">
               <a:rPr lang="en-US" dirty="0"/>
-              <a:t>2/24/24</a:t>
+              <a:t>2/25/24</a:t>
             </a:fld>
             <a:endParaRPr lang="en-US" dirty="0"/>
           </a:p>
@@ -6413,7 +6413,7 @@
           <a:p>
             <a:fld id="{D4B24536-994D-4021-A283-9F449C0DB509}" type="datetimeFigureOut">
               <a:rPr lang="en-US" dirty="0"/>
-              <a:t>2/24/24</a:t>
+              <a:t>2/25/24</a:t>
             </a:fld>
             <a:endParaRPr lang="en-US" dirty="0"/>
           </a:p>
@@ -7321,7 +7321,7 @@
           <a:p>
             <a:fld id="{3CBBBB78-C96F-47B7-AB17-D852CA960AC9}" type="datetimeFigureOut">
               <a:rPr lang="en-US" dirty="0"/>
-              <a:t>2/24/24</a:t>
+              <a:t>2/25/24</a:t>
             </a:fld>
             <a:endParaRPr lang="en-US" dirty="0"/>
           </a:p>
@@ -7629,7 +7629,7 @@
           <a:p>
             <a:fld id="{1FA3F48C-C7C6-4055-9F49-3777875E72AE}" type="datetimeFigureOut">
               <a:rPr lang="en-US" dirty="0"/>
-              <a:t>2/24/24</a:t>
+              <a:t>2/25/24</a:t>
             </a:fld>
             <a:endParaRPr lang="en-US" dirty="0"/>
           </a:p>
@@ -7888,7 +7888,7 @@
           <a:p>
             <a:fld id="{6178E61D-D431-422C-9764-11DAFE33AB63}" type="datetimeFigureOut">
               <a:rPr lang="en-US" dirty="0"/>
-              <a:t>2/24/24</a:t>
+              <a:t>2/25/24</a:t>
             </a:fld>
             <a:endParaRPr lang="en-US" dirty="0"/>
           </a:p>
@@ -8207,7 +8207,7 @@
           <a:p>
             <a:fld id="{12DE42F4-6EEF-4EF7-8ED4-2208F0F89A08}" type="datetimeFigureOut">
               <a:rPr lang="en-US" dirty="0"/>
-              <a:t>2/24/24</a:t>
+              <a:t>2/25/24</a:t>
             </a:fld>
             <a:endParaRPr lang="en-US" dirty="0"/>
           </a:p>
@@ -8591,7 +8591,7 @@
           <a:p>
             <a:fld id="{30578ACC-22D6-47C1-A373-4FD133E34F3C}" type="datetimeFigureOut">
               <a:rPr lang="en-US" dirty="0"/>
-              <a:t>2/24/24</a:t>
+              <a:t>2/25/24</a:t>
             </a:fld>
             <a:endParaRPr lang="en-US" dirty="0"/>
           </a:p>
@@ -8962,7 +8962,7 @@
           <a:p>
             <a:fld id="{4E5A6C69-6797-4E8A-BF37-F2C3751466E9}" type="datetimeFigureOut">
               <a:rPr lang="en-US" dirty="0"/>
-              <a:t>2/24/24</a:t>
+              <a:t>2/25/24</a:t>
             </a:fld>
             <a:endParaRPr lang="en-US" dirty="0"/>
           </a:p>
@@ -9463,7 +9463,7 @@
           <a:p>
             <a:fld id="{D82014A1-A632-4878-A0D3-F52BA7563730}" type="datetimeFigureOut">
               <a:rPr lang="en-US" dirty="0"/>
-              <a:t>2/24/24</a:t>
+              <a:t>2/25/24</a:t>
             </a:fld>
             <a:endParaRPr lang="en-US" dirty="0"/>
           </a:p>
@@ -9715,7 +9715,7 @@
           <a:p>
             <a:fld id="{CE99F462-093F-4566-844B-4C71F2739DA5}" type="datetimeFigureOut">
               <a:rPr lang="en-US" dirty="0"/>
-              <a:t>2/24/24</a:t>
+              <a:t>2/25/24</a:t>
             </a:fld>
             <a:endParaRPr lang="en-US" dirty="0"/>
           </a:p>
@@ -9873,7 +9873,7 @@
           <a:p>
             <a:fld id="{3D24A7AC-904D-4781-85BA-7D10C17ED021}" type="datetimeFigureOut">
               <a:rPr lang="en-US" dirty="0"/>
-              <a:t>2/24/24</a:t>
+              <a:t>2/25/24</a:t>
             </a:fld>
             <a:endParaRPr lang="en-US" dirty="0"/>
           </a:p>
@@ -10258,7 +10258,7 @@
           <a:p>
             <a:fld id="{E331444B-B92B-4E27-8C94-BB93EAF5CB18}" type="datetimeFigureOut">
               <a:rPr lang="en-US" dirty="0"/>
-              <a:t>2/24/24</a:t>
+              <a:t>2/25/24</a:t>
             </a:fld>
             <a:endParaRPr lang="en-US" dirty="0"/>
           </a:p>
@@ -10662,7 +10662,7 @@
           <a:p>
             <a:fld id="{363EFA5E-FA76-400D-B3DC-F0BA90E6D107}" type="datetimeFigureOut">
               <a:rPr lang="en-US" dirty="0"/>
-              <a:t>2/24/24</a:t>
+              <a:t>2/25/24</a:t>
             </a:fld>
             <a:endParaRPr lang="en-US" dirty="0"/>
           </a:p>
@@ -10901,7 +10901,7 @@
           <a:p>
             <a:fld id="{9D6E9DEC-419B-4CC5-A080-3B06BD5A8291}" type="datetimeFigureOut">
               <a:rPr lang="en-US" dirty="0"/>
-              <a:t>2/24/24</a:t>
+              <a:t>2/25/24</a:t>
             </a:fld>
             <a:endParaRPr lang="en-US" dirty="0"/>
           </a:p>
@@ -18498,7 +18498,7 @@
         </p:nvSpPr>
         <p:spPr>
           <a:xfrm>
-            <a:off x="6096000" y="6560393"/>
+            <a:off x="6096000" y="6520868"/>
             <a:ext cx="5454750" cy="276999"/>
           </a:xfrm>
           <a:prstGeom prst="rect">
